--- a/Alzhemer Classification.pptx
+++ b/Alzhemer Classification.pptx
@@ -16116,7 +16116,7 @@
         <p:spPr>
           <a:xfrm>
             <a:off x="208830" y="2690976"/>
-            <a:ext cx="5821267" cy="2737759"/>
+            <a:ext cx="6628575" cy="2976656"/>
           </a:xfrm>
           <a:prstGeom prst="rect">
             <a:avLst/>
@@ -16124,7 +16124,7 @@
         </p:spPr>
         <p:txBody>
           <a:bodyPr vert="horz" lIns="91440" tIns="45720" rIns="91440" bIns="45720" rtlCol="0" anchor="ctr">
-            <a:normAutofit fontScale="92500" lnSpcReduction="20000"/>
+            <a:normAutofit fontScale="92500" lnSpcReduction="10000"/>
           </a:bodyPr>
           <a:lstStyle>
             <a:lvl1pPr algn="l" defTabSz="914400" rtl="0" eaLnBrk="1" latinLnBrk="0" hangingPunct="1">
@@ -16204,7 +16204,7 @@
             </a:r>
             <a:r>
               <a:rPr lang="en-US" sz="2000" dirty="0"/>
-              <a:t>': [(64, 32, 16), (24, 12, 6)],</a:t>
+              <a:t>': [(64, 32, 16), (24, 12, 6), (12, 6, 3)],</a:t>
             </a:r>
           </a:p>
           <a:p>
@@ -16783,7 +16783,7 @@
         </p:spPr>
         <p:txBody>
           <a:bodyPr vert="horz" lIns="91440" tIns="45720" rIns="91440" bIns="45720" rtlCol="0" anchor="ctr">
-            <a:normAutofit fontScale="70000" lnSpcReduction="20000"/>
+            <a:normAutofit fontScale="77500" lnSpcReduction="20000"/>
           </a:bodyPr>
           <a:lstStyle>
             <a:lvl1pPr algn="l" defTabSz="914400" rtl="0" eaLnBrk="1" latinLnBrk="0" hangingPunct="1">
@@ -16806,34 +16806,33 @@
           </a:lstStyle>
           <a:p>
             <a:r>
-              <a:rPr lang="en-US" sz="2900" b="1" dirty="0"/>
+              <a:rPr lang="en-US" sz="2900" b="1" dirty="0">
+                <a:latin typeface="Gill Sans Nova (Headings)"/>
+              </a:rPr>
               <a:t>Best Parameter</a:t>
             </a:r>
           </a:p>
           <a:p>
-            <a:pPr marL="0" marR="0" lvl="0" indent="0" algn="l" defTabSz="914400" rtl="0" eaLnBrk="0" fontAlgn="base" latinLnBrk="0" hangingPunct="0">
+            <a:pPr eaLnBrk="0" fontAlgn="base" hangingPunct="0">
               <a:lnSpc>
                 <a:spcPct val="100000"/>
               </a:lnSpc>
-              <a:spcBef>
-                <a:spcPct val="0"/>
-              </a:spcBef>
               <a:spcAft>
                 <a:spcPct val="0"/>
               </a:spcAft>
-              <a:buClrTx/>
-              <a:buSzTx/>
-              <a:buFontTx/>
-              <a:buNone/>
-              <a:tabLst/>
             </a:pPr>
             <a:r>
-              <a:rPr lang="en-US" sz="2800" dirty="0" err="1"/>
-              <a:t>param_grid</a:t>
-            </a:r>
-            <a:r>
-              <a:rPr lang="en-US" sz="2800" dirty="0"/>
-              <a:t> = </a:t>
+              <a:rPr kumimoji="0" lang="en-US" altLang="en-US" sz="2800" b="0" i="0" u="none" strike="noStrike" cap="none" normalizeH="0" baseline="0" dirty="0" err="1">
+                <a:ln>
+                  <a:noFill/>
+                </a:ln>
+                <a:solidFill>
+                  <a:srgbClr val="000000"/>
+                </a:solidFill>
+                <a:effectLst/>
+                <a:latin typeface="Gill Sans Nova (Headings)"/>
+              </a:rPr>
+              <a:t>batch_size</a:t>
             </a:r>
             <a:r>
               <a:rPr kumimoji="0" lang="en-US" altLang="en-US" sz="2800" b="0" i="0" u="none" strike="noStrike" cap="none" normalizeH="0" baseline="0" dirty="0">
@@ -16846,7 +16845,7 @@
                 <a:effectLst/>
                 <a:latin typeface="Gill Sans Nova (Headings)"/>
               </a:rPr>
-              <a:t>{'algorithm': 'auto', '</a:t>
+              <a:t>=32, </a:t>
             </a:r>
             <a:r>
               <a:rPr kumimoji="0" lang="en-US" altLang="en-US" sz="2800" b="0" i="0" u="none" strike="noStrike" cap="none" normalizeH="0" baseline="0" dirty="0" err="1">
@@ -16859,7 +16858,7 @@
                 <a:effectLst/>
                 <a:latin typeface="Gill Sans Nova (Headings)"/>
               </a:rPr>
-              <a:t>leaf_size</a:t>
+              <a:t>hidden_layer_sizes</a:t>
             </a:r>
             <a:r>
               <a:rPr kumimoji="0" lang="en-US" altLang="en-US" sz="2800" b="0" i="0" u="none" strike="noStrike" cap="none" normalizeH="0" baseline="0" dirty="0">
@@ -16872,7 +16871,7 @@
                 <a:effectLst/>
                 <a:latin typeface="Gill Sans Nova (Headings)"/>
               </a:rPr>
-              <a:t>': 30, 'metric': '</a:t>
+              <a:t>=(64, 32, 16), </a:t>
             </a:r>
             <a:r>
               <a:rPr kumimoji="0" lang="en-US" altLang="en-US" sz="2800" b="0" i="0" u="none" strike="noStrike" cap="none" normalizeH="0" baseline="0" dirty="0" err="1">
@@ -16885,7 +16884,7 @@
                 <a:effectLst/>
                 <a:latin typeface="Gill Sans Nova (Headings)"/>
               </a:rPr>
-              <a:t>minkowski</a:t>
+              <a:t>learning_rate</a:t>
             </a:r>
             <a:r>
               <a:rPr kumimoji="0" lang="en-US" altLang="en-US" sz="2800" b="0" i="0" u="none" strike="noStrike" cap="none" normalizeH="0" baseline="0" dirty="0">
@@ -16898,7 +16897,7 @@
                 <a:effectLst/>
                 <a:latin typeface="Gill Sans Nova (Headings)"/>
               </a:rPr>
-              <a:t>', '</a:t>
+              <a:t>='adaptive', </a:t>
             </a:r>
             <a:r>
               <a:rPr kumimoji="0" lang="en-US" altLang="en-US" sz="2800" b="0" i="0" u="none" strike="noStrike" cap="none" normalizeH="0" baseline="0" dirty="0" err="1">
@@ -16911,7 +16910,7 @@
                 <a:effectLst/>
                 <a:latin typeface="Gill Sans Nova (Headings)"/>
               </a:rPr>
-              <a:t>metric_params</a:t>
+              <a:t>max_iter</a:t>
             </a:r>
             <a:r>
               <a:rPr kumimoji="0" lang="en-US" altLang="en-US" sz="2800" b="0" i="0" u="none" strike="noStrike" cap="none" normalizeH="0" baseline="0" dirty="0">
@@ -16924,7 +16923,7 @@
                 <a:effectLst/>
                 <a:latin typeface="Gill Sans Nova (Headings)"/>
               </a:rPr>
-              <a:t>': None, '</a:t>
+              <a:t>=500, </a:t>
             </a:r>
             <a:r>
               <a:rPr kumimoji="0" lang="en-US" altLang="en-US" sz="2800" b="0" i="0" u="none" strike="noStrike" cap="none" normalizeH="0" baseline="0" dirty="0" err="1">
@@ -16937,7 +16936,7 @@
                 <a:effectLst/>
                 <a:latin typeface="Gill Sans Nova (Headings)"/>
               </a:rPr>
-              <a:t>n_jobs</a:t>
+              <a:t>random_state</a:t>
             </a:r>
             <a:r>
               <a:rPr kumimoji="0" lang="en-US" altLang="en-US" sz="2800" b="0" i="0" u="none" strike="noStrike" cap="none" normalizeH="0" baseline="0" dirty="0">
@@ -16950,23 +16949,23 @@
                 <a:effectLst/>
                 <a:latin typeface="Gill Sans Nova (Headings)"/>
               </a:rPr>
-              <a:t>': None, '</a:t>
-            </a:r>
-            <a:r>
-              <a:rPr kumimoji="0" lang="en-US" altLang="en-US" sz="2800" b="0" i="0" u="none" strike="noStrike" cap="none" normalizeH="0" baseline="0" dirty="0" err="1">
+              <a:t>=42</a:t>
+            </a:r>
+            <a:r>
+              <a:rPr kumimoji="0" lang="en-US" altLang="en-US" sz="2000" b="0" i="0" u="none" strike="noStrike" cap="none" normalizeH="0" baseline="0" dirty="0">
                 <a:ln>
                   <a:noFill/>
                 </a:ln>
                 <a:solidFill>
-                  <a:srgbClr val="000000"/>
+                  <a:schemeClr val="tx1"/>
                 </a:solidFill>
                 <a:effectLst/>
                 <a:latin typeface="Gill Sans Nova (Headings)"/>
               </a:rPr>
-              <a:t>n_neighbors</a:t>
-            </a:r>
-            <a:r>
-              <a:rPr kumimoji="0" lang="en-US" altLang="en-US" sz="2800" b="0" i="0" u="none" strike="noStrike" cap="none" normalizeH="0" baseline="0" dirty="0">
+              <a:t> , </a:t>
+            </a:r>
+            <a:r>
+              <a:rPr kumimoji="0" lang="en-US" altLang="en-US" sz="2900" b="0" i="0" u="none" strike="noStrike" cap="none" normalizeH="0" baseline="0" dirty="0">
                 <a:ln>
                   <a:noFill/>
                 </a:ln>
@@ -16976,10 +16975,36 @@
                 <a:effectLst/>
                 <a:latin typeface="Gill Sans Nova (Headings)"/>
               </a:rPr>
-              <a:t>': 1, 'p': 2, 'weights': 'uniform'}</a:t>
-            </a:r>
-            <a:r>
-              <a:rPr kumimoji="0" lang="en-US" altLang="en-US" sz="2800" b="0" i="0" u="none" strike="noStrike" cap="none" normalizeH="0" baseline="0" dirty="0">
+              <a:t>'</a:t>
+            </a:r>
+            <a:r>
+              <a:rPr kumimoji="0" lang="en-US" altLang="en-US" sz="2900" b="0" i="0" u="none" strike="noStrike" cap="none" normalizeH="0" baseline="0" dirty="0" err="1">
+                <a:ln>
+                  <a:noFill/>
+                </a:ln>
+                <a:solidFill>
+                  <a:srgbClr val="000000"/>
+                </a:solidFill>
+                <a:effectLst/>
+                <a:latin typeface="Gill Sans Nova (Headings)"/>
+              </a:rPr>
+              <a:t>learning_rate_init</a:t>
+            </a:r>
+            <a:r>
+              <a:rPr kumimoji="0" lang="en-US" altLang="en-US" sz="2900" b="0" i="0" u="none" strike="noStrike" cap="none" normalizeH="0" baseline="0" dirty="0">
+                <a:ln>
+                  <a:noFill/>
+                </a:ln>
+                <a:solidFill>
+                  <a:srgbClr val="000000"/>
+                </a:solidFill>
+                <a:effectLst/>
+                <a:latin typeface="Gill Sans Nova (Headings)"/>
+              </a:rPr>
+              <a:t>': 0.001</a:t>
+            </a:r>
+            <a:r>
+              <a:rPr kumimoji="0" lang="en-US" altLang="en-US" sz="2900" b="0" i="0" u="none" strike="noStrike" cap="none" normalizeH="0" baseline="0" dirty="0">
                 <a:ln>
                   <a:noFill/>
                 </a:ln>
@@ -17919,7 +17944,7 @@
         </p:spPr>
         <p:txBody>
           <a:bodyPr vert="horz" lIns="91440" tIns="45720" rIns="91440" bIns="45720" rtlCol="0" anchor="ctr">
-            <a:normAutofit/>
+            <a:normAutofit fontScale="85000" lnSpcReduction="10000"/>
           </a:bodyPr>
           <a:lstStyle>
             <a:lvl1pPr algn="l" defTabSz="914400" rtl="0" eaLnBrk="1" latinLnBrk="0" hangingPunct="1">
@@ -17942,34 +17967,150 @@
           </a:lstStyle>
           <a:p>
             <a:r>
-              <a:rPr lang="en-US" sz="1400" b="1" dirty="0"/>
+              <a:rPr lang="en-US" sz="1800" b="1" dirty="0">
+                <a:latin typeface="Gill Sans Nova (Headings)"/>
+              </a:rPr>
               <a:t>Best Parameter</a:t>
             </a:r>
           </a:p>
           <a:p>
-            <a:pPr marL="0" marR="0" lvl="0" indent="0" algn="l" defTabSz="914400" rtl="0" eaLnBrk="0" fontAlgn="base" latinLnBrk="0" hangingPunct="0">
+            <a:pPr eaLnBrk="0" fontAlgn="base" hangingPunct="0">
               <a:lnSpc>
                 <a:spcPct val="100000"/>
               </a:lnSpc>
-              <a:spcBef>
-                <a:spcPct val="0"/>
-              </a:spcBef>
               <a:spcAft>
                 <a:spcPct val="0"/>
               </a:spcAft>
-              <a:buClrTx/>
-              <a:buSzTx/>
-              <a:buFontTx/>
-              <a:buNone/>
-              <a:tabLst/>
             </a:pPr>
             <a:r>
-              <a:rPr lang="en-US" sz="1200" dirty="0" err="1"/>
-              <a:t>param_grid</a:t>
-            </a:r>
-            <a:r>
-              <a:rPr lang="en-US" sz="1200" dirty="0"/>
-              <a:t> = </a:t>
+              <a:rPr kumimoji="0" lang="en-US" altLang="en-US" sz="1600" b="0" i="0" u="none" strike="noStrike" cap="none" normalizeH="0" baseline="0" dirty="0" err="1">
+                <a:ln>
+                  <a:noFill/>
+                </a:ln>
+                <a:solidFill>
+                  <a:srgbClr val="000000"/>
+                </a:solidFill>
+                <a:effectLst/>
+                <a:latin typeface="Gill Sans Nova (Headings)"/>
+              </a:rPr>
+              <a:t>batch_size</a:t>
+            </a:r>
+            <a:r>
+              <a:rPr kumimoji="0" lang="en-US" altLang="en-US" sz="1600" b="0" i="0" u="none" strike="noStrike" cap="none" normalizeH="0" baseline="0" dirty="0">
+                <a:ln>
+                  <a:noFill/>
+                </a:ln>
+                <a:solidFill>
+                  <a:srgbClr val="000000"/>
+                </a:solidFill>
+                <a:effectLst/>
+                <a:latin typeface="Gill Sans Nova (Headings)"/>
+              </a:rPr>
+              <a:t>=32, </a:t>
+            </a:r>
+            <a:r>
+              <a:rPr kumimoji="0" lang="en-US" altLang="en-US" sz="1600" b="0" i="0" u="none" strike="noStrike" cap="none" normalizeH="0" baseline="0" dirty="0" err="1">
+                <a:ln>
+                  <a:noFill/>
+                </a:ln>
+                <a:solidFill>
+                  <a:srgbClr val="000000"/>
+                </a:solidFill>
+                <a:effectLst/>
+                <a:latin typeface="Gill Sans Nova (Headings)"/>
+              </a:rPr>
+              <a:t>hidden_layer_sizes</a:t>
+            </a:r>
+            <a:r>
+              <a:rPr kumimoji="0" lang="en-US" altLang="en-US" sz="1600" b="0" i="0" u="none" strike="noStrike" cap="none" normalizeH="0" baseline="0" dirty="0">
+                <a:ln>
+                  <a:noFill/>
+                </a:ln>
+                <a:solidFill>
+                  <a:srgbClr val="000000"/>
+                </a:solidFill>
+                <a:effectLst/>
+                <a:latin typeface="Gill Sans Nova (Headings)"/>
+              </a:rPr>
+              <a:t>=(64, 32, 16), </a:t>
+            </a:r>
+            <a:r>
+              <a:rPr kumimoji="0" lang="en-US" altLang="en-US" sz="1600" b="0" i="0" u="none" strike="noStrike" cap="none" normalizeH="0" baseline="0" dirty="0" err="1">
+                <a:ln>
+                  <a:noFill/>
+                </a:ln>
+                <a:solidFill>
+                  <a:srgbClr val="000000"/>
+                </a:solidFill>
+                <a:effectLst/>
+                <a:latin typeface="Gill Sans Nova (Headings)"/>
+              </a:rPr>
+              <a:t>learning_rate</a:t>
+            </a:r>
+            <a:r>
+              <a:rPr kumimoji="0" lang="en-US" altLang="en-US" sz="1600" b="0" i="0" u="none" strike="noStrike" cap="none" normalizeH="0" baseline="0" dirty="0">
+                <a:ln>
+                  <a:noFill/>
+                </a:ln>
+                <a:solidFill>
+                  <a:srgbClr val="000000"/>
+                </a:solidFill>
+                <a:effectLst/>
+                <a:latin typeface="Gill Sans Nova (Headings)"/>
+              </a:rPr>
+              <a:t>='adaptive', </a:t>
+            </a:r>
+            <a:r>
+              <a:rPr kumimoji="0" lang="en-US" altLang="en-US" sz="1600" b="0" i="0" u="none" strike="noStrike" cap="none" normalizeH="0" baseline="0" dirty="0" err="1">
+                <a:ln>
+                  <a:noFill/>
+                </a:ln>
+                <a:solidFill>
+                  <a:srgbClr val="000000"/>
+                </a:solidFill>
+                <a:effectLst/>
+                <a:latin typeface="Gill Sans Nova (Headings)"/>
+              </a:rPr>
+              <a:t>max_iter</a:t>
+            </a:r>
+            <a:r>
+              <a:rPr kumimoji="0" lang="en-US" altLang="en-US" sz="1600" b="0" i="0" u="none" strike="noStrike" cap="none" normalizeH="0" baseline="0" dirty="0">
+                <a:ln>
+                  <a:noFill/>
+                </a:ln>
+                <a:solidFill>
+                  <a:srgbClr val="000000"/>
+                </a:solidFill>
+                <a:effectLst/>
+                <a:latin typeface="Gill Sans Nova (Headings)"/>
+              </a:rPr>
+              <a:t>=500, </a:t>
+            </a:r>
+            <a:r>
+              <a:rPr kumimoji="0" lang="en-US" altLang="en-US" sz="1600" b="0" i="0" u="none" strike="noStrike" cap="none" normalizeH="0" baseline="0" dirty="0" err="1">
+                <a:ln>
+                  <a:noFill/>
+                </a:ln>
+                <a:solidFill>
+                  <a:srgbClr val="000000"/>
+                </a:solidFill>
+                <a:effectLst/>
+                <a:latin typeface="Gill Sans Nova (Headings)"/>
+              </a:rPr>
+              <a:t>random_state</a:t>
+            </a:r>
+            <a:r>
+              <a:rPr kumimoji="0" lang="en-US" altLang="en-US" sz="1600" b="0" i="0" u="none" strike="noStrike" cap="none" normalizeH="0" baseline="0" dirty="0">
+                <a:ln>
+                  <a:noFill/>
+                </a:ln>
+                <a:solidFill>
+                  <a:srgbClr val="000000"/>
+                </a:solidFill>
+                <a:effectLst/>
+                <a:latin typeface="Gill Sans Nova (Headings)"/>
+              </a:rPr>
+              <a:t>=42</a:t>
             </a:r>
             <a:r>
               <a:rPr kumimoji="0" lang="en-US" altLang="en-US" sz="1200" b="0" i="0" u="none" strike="noStrike" cap="none" normalizeH="0" baseline="0" dirty="0">
@@ -17977,15 +18118,15 @@
                   <a:noFill/>
                 </a:ln>
                 <a:solidFill>
-                  <a:srgbClr val="000000"/>
+                  <a:schemeClr val="tx1"/>
                 </a:solidFill>
                 <a:effectLst/>
                 <a:latin typeface="Gill Sans Nova (Headings)"/>
               </a:rPr>
-              <a:t>{'algorithm': 'auto', '</a:t>
-            </a:r>
-            <a:r>
-              <a:rPr kumimoji="0" lang="en-US" altLang="en-US" sz="1200" b="0" i="0" u="none" strike="noStrike" cap="none" normalizeH="0" baseline="0" dirty="0" err="1">
+              <a:t> , </a:t>
+            </a:r>
+            <a:r>
+              <a:rPr kumimoji="0" lang="en-US" altLang="en-US" sz="1800" b="0" i="0" u="none" strike="noStrike" cap="none" normalizeH="0" baseline="0" dirty="0" err="1">
                 <a:ln>
                   <a:noFill/>
                 </a:ln>
@@ -17995,10 +18136,19 @@
                 <a:effectLst/>
                 <a:latin typeface="Gill Sans Nova (Headings)"/>
               </a:rPr>
-              <a:t>leaf_size</a:t>
-            </a:r>
-            <a:r>
-              <a:rPr kumimoji="0" lang="en-US" altLang="en-US" sz="1200" b="0" i="0" u="none" strike="noStrike" cap="none" normalizeH="0" baseline="0" dirty="0">
+              <a:t>learning_rate_init</a:t>
+            </a:r>
+            <a:r>
+              <a:rPr lang="en-US" altLang="en-US" sz="1800" dirty="0">
+                <a:solidFill>
+                  <a:srgbClr val="000000"/>
+                </a:solidFill>
+                <a:latin typeface="Gill Sans Nova (Headings)"/>
+              </a:rPr>
+              <a:t>=</a:t>
+            </a:r>
+            <a:r>
+              <a:rPr kumimoji="0" lang="en-US" altLang="en-US" sz="1800" b="0" i="0" u="none" strike="noStrike" cap="none" normalizeH="0" baseline="0" dirty="0">
                 <a:ln>
                   <a:noFill/>
                 </a:ln>
@@ -18008,114 +18158,10 @@
                 <a:effectLst/>
                 <a:latin typeface="Gill Sans Nova (Headings)"/>
               </a:rPr>
-              <a:t>': 30, 'metric': '</a:t>
-            </a:r>
-            <a:r>
-              <a:rPr kumimoji="0" lang="en-US" altLang="en-US" sz="1200" b="0" i="0" u="none" strike="noStrike" cap="none" normalizeH="0" baseline="0" dirty="0" err="1">
-                <a:ln>
-                  <a:noFill/>
-                </a:ln>
-                <a:solidFill>
-                  <a:srgbClr val="000000"/>
-                </a:solidFill>
-                <a:effectLst/>
-                <a:latin typeface="Gill Sans Nova (Headings)"/>
-              </a:rPr>
-              <a:t>minkowski</a:t>
-            </a:r>
-            <a:r>
-              <a:rPr kumimoji="0" lang="en-US" altLang="en-US" sz="1200" b="0" i="0" u="none" strike="noStrike" cap="none" normalizeH="0" baseline="0" dirty="0">
-                <a:ln>
-                  <a:noFill/>
-                </a:ln>
-                <a:solidFill>
-                  <a:srgbClr val="000000"/>
-                </a:solidFill>
-                <a:effectLst/>
-                <a:latin typeface="Gill Sans Nova (Headings)"/>
-              </a:rPr>
-              <a:t>', '</a:t>
-            </a:r>
-            <a:r>
-              <a:rPr kumimoji="0" lang="en-US" altLang="en-US" sz="1200" b="0" i="0" u="none" strike="noStrike" cap="none" normalizeH="0" baseline="0" dirty="0" err="1">
-                <a:ln>
-                  <a:noFill/>
-                </a:ln>
-                <a:solidFill>
-                  <a:srgbClr val="000000"/>
-                </a:solidFill>
-                <a:effectLst/>
-                <a:latin typeface="Gill Sans Nova (Headings)"/>
-              </a:rPr>
-              <a:t>metric_params</a:t>
-            </a:r>
-            <a:r>
-              <a:rPr kumimoji="0" lang="en-US" altLang="en-US" sz="1200" b="0" i="0" u="none" strike="noStrike" cap="none" normalizeH="0" baseline="0" dirty="0">
-                <a:ln>
-                  <a:noFill/>
-                </a:ln>
-                <a:solidFill>
-                  <a:srgbClr val="000000"/>
-                </a:solidFill>
-                <a:effectLst/>
-                <a:latin typeface="Gill Sans Nova (Headings)"/>
-              </a:rPr>
-              <a:t>': None, '</a:t>
-            </a:r>
-            <a:r>
-              <a:rPr kumimoji="0" lang="en-US" altLang="en-US" sz="1200" b="0" i="0" u="none" strike="noStrike" cap="none" normalizeH="0" baseline="0" dirty="0" err="1">
-                <a:ln>
-                  <a:noFill/>
-                </a:ln>
-                <a:solidFill>
-                  <a:srgbClr val="000000"/>
-                </a:solidFill>
-                <a:effectLst/>
-                <a:latin typeface="Gill Sans Nova (Headings)"/>
-              </a:rPr>
-              <a:t>n_jobs</a:t>
-            </a:r>
-            <a:r>
-              <a:rPr kumimoji="0" lang="en-US" altLang="en-US" sz="1200" b="0" i="0" u="none" strike="noStrike" cap="none" normalizeH="0" baseline="0" dirty="0">
-                <a:ln>
-                  <a:noFill/>
-                </a:ln>
-                <a:solidFill>
-                  <a:srgbClr val="000000"/>
-                </a:solidFill>
-                <a:effectLst/>
-                <a:latin typeface="Gill Sans Nova (Headings)"/>
-              </a:rPr>
-              <a:t>': None, '</a:t>
-            </a:r>
-            <a:r>
-              <a:rPr kumimoji="0" lang="en-US" altLang="en-US" sz="1200" b="0" i="0" u="none" strike="noStrike" cap="none" normalizeH="0" baseline="0" dirty="0" err="1">
-                <a:ln>
-                  <a:noFill/>
-                </a:ln>
-                <a:solidFill>
-                  <a:srgbClr val="000000"/>
-                </a:solidFill>
-                <a:effectLst/>
-                <a:latin typeface="Gill Sans Nova (Headings)"/>
-              </a:rPr>
-              <a:t>n_neighbors</a:t>
-            </a:r>
-            <a:r>
-              <a:rPr kumimoji="0" lang="en-US" altLang="en-US" sz="1200" b="0" i="0" u="none" strike="noStrike" cap="none" normalizeH="0" baseline="0" dirty="0">
-                <a:ln>
-                  <a:noFill/>
-                </a:ln>
-                <a:solidFill>
-                  <a:srgbClr val="000000"/>
-                </a:solidFill>
-                <a:effectLst/>
-                <a:latin typeface="Gill Sans Nova (Headings)"/>
-              </a:rPr>
-              <a:t>': 1, 'p': 2, 'weights': 'uniform'}</a:t>
-            </a:r>
-            <a:r>
-              <a:rPr kumimoji="0" lang="en-US" altLang="en-US" sz="1200" b="0" i="0" u="none" strike="noStrike" cap="none" normalizeH="0" baseline="0" dirty="0">
+              <a:t> 0.001</a:t>
+            </a:r>
+            <a:r>
+              <a:rPr kumimoji="0" lang="en-US" altLang="en-US" sz="1800" b="0" i="0" u="none" strike="noStrike" cap="none" normalizeH="0" baseline="0" dirty="0">
                 <a:ln>
                   <a:noFill/>
                 </a:ln>
@@ -18427,7 +18473,7 @@
         </p:spPr>
         <p:txBody>
           <a:bodyPr vert="horz" lIns="91440" tIns="45720" rIns="91440" bIns="45720" rtlCol="0" anchor="ctr">
-            <a:normAutofit/>
+            <a:normAutofit lnSpcReduction="10000"/>
           </a:bodyPr>
           <a:lstStyle>
             <a:lvl1pPr algn="l" defTabSz="914400" rtl="0" eaLnBrk="1" latinLnBrk="0" hangingPunct="1">
@@ -18450,7 +18496,7 @@
           </a:lstStyle>
           <a:p>
             <a:r>
-              <a:rPr lang="en-US" sz="1400" b="1" dirty="0"/>
+              <a:rPr lang="en-US" sz="1600" b="1" dirty="0"/>
               <a:t>Best Parameter</a:t>
             </a:r>
           </a:p>
@@ -18472,15 +18518,7 @@
               <a:tabLst/>
             </a:pPr>
             <a:r>
-              <a:rPr lang="en-US" sz="1200" dirty="0" err="1"/>
-              <a:t>param_grid</a:t>
-            </a:r>
-            <a:r>
-              <a:rPr lang="en-US" sz="1200" dirty="0"/>
-              <a:t> = </a:t>
-            </a:r>
-            <a:r>
-              <a:rPr kumimoji="0" lang="en-US" altLang="en-US" sz="1200" b="0" i="0" u="none" strike="noStrike" cap="none" normalizeH="0" baseline="0" dirty="0">
+              <a:rPr kumimoji="0" lang="en-US" altLang="en-US" sz="1400" b="0" i="0" u="none" strike="noStrike" cap="none" normalizeH="0" baseline="0" dirty="0" err="1">
                 <a:ln>
                   <a:noFill/>
                 </a:ln>
@@ -18490,10 +18528,10 @@
                 <a:effectLst/>
                 <a:latin typeface="Gill Sans Nova (Headings)"/>
               </a:rPr>
-              <a:t>{'algorithm': 'auto', '</a:t>
-            </a:r>
-            <a:r>
-              <a:rPr kumimoji="0" lang="en-US" altLang="en-US" sz="1200" b="0" i="0" u="none" strike="noStrike" cap="none" normalizeH="0" baseline="0" dirty="0" err="1">
+              <a:t>batch_size</a:t>
+            </a:r>
+            <a:r>
+              <a:rPr kumimoji="0" lang="en-US" altLang="en-US" sz="1400" b="0" i="0" u="none" strike="noStrike" cap="none" normalizeH="0" baseline="0" dirty="0">
                 <a:ln>
                   <a:noFill/>
                 </a:ln>
@@ -18503,10 +18541,10 @@
                 <a:effectLst/>
                 <a:latin typeface="Gill Sans Nova (Headings)"/>
               </a:rPr>
-              <a:t>leaf_size</a:t>
-            </a:r>
-            <a:r>
-              <a:rPr kumimoji="0" lang="en-US" altLang="en-US" sz="1200" b="0" i="0" u="none" strike="noStrike" cap="none" normalizeH="0" baseline="0" dirty="0">
+              <a:t>=32, </a:t>
+            </a:r>
+            <a:r>
+              <a:rPr kumimoji="0" lang="en-US" altLang="en-US" sz="1400" b="0" i="0" u="none" strike="noStrike" cap="none" normalizeH="0" baseline="0" dirty="0" err="1">
                 <a:ln>
                   <a:noFill/>
                 </a:ln>
@@ -18516,10 +18554,10 @@
                 <a:effectLst/>
                 <a:latin typeface="Gill Sans Nova (Headings)"/>
               </a:rPr>
-              <a:t>': 30, 'metric': '</a:t>
-            </a:r>
-            <a:r>
-              <a:rPr kumimoji="0" lang="en-US" altLang="en-US" sz="1200" b="0" i="0" u="none" strike="noStrike" cap="none" normalizeH="0" baseline="0" dirty="0" err="1">
+              <a:t>hidden_layer_sizes</a:t>
+            </a:r>
+            <a:r>
+              <a:rPr kumimoji="0" lang="en-US" altLang="en-US" sz="1400" b="0" i="0" u="none" strike="noStrike" cap="none" normalizeH="0" baseline="0" dirty="0">
                 <a:ln>
                   <a:noFill/>
                 </a:ln>
@@ -18529,10 +18567,10 @@
                 <a:effectLst/>
                 <a:latin typeface="Gill Sans Nova (Headings)"/>
               </a:rPr>
-              <a:t>minkowski</a:t>
-            </a:r>
-            <a:r>
-              <a:rPr kumimoji="0" lang="en-US" altLang="en-US" sz="1200" b="0" i="0" u="none" strike="noStrike" cap="none" normalizeH="0" baseline="0" dirty="0">
+              <a:t>=(64, 32, 16), </a:t>
+            </a:r>
+            <a:r>
+              <a:rPr kumimoji="0" lang="en-US" altLang="en-US" sz="1400" b="0" i="0" u="none" strike="noStrike" cap="none" normalizeH="0" baseline="0" dirty="0" err="1">
                 <a:ln>
                   <a:noFill/>
                 </a:ln>
@@ -18542,10 +18580,10 @@
                 <a:effectLst/>
                 <a:latin typeface="Gill Sans Nova (Headings)"/>
               </a:rPr>
-              <a:t>', '</a:t>
-            </a:r>
-            <a:r>
-              <a:rPr kumimoji="0" lang="en-US" altLang="en-US" sz="1200" b="0" i="0" u="none" strike="noStrike" cap="none" normalizeH="0" baseline="0" dirty="0" err="1">
+              <a:t>learning_rate</a:t>
+            </a:r>
+            <a:r>
+              <a:rPr kumimoji="0" lang="en-US" altLang="en-US" sz="1400" b="0" i="0" u="none" strike="noStrike" cap="none" normalizeH="0" baseline="0" dirty="0">
                 <a:ln>
                   <a:noFill/>
                 </a:ln>
@@ -18555,10 +18593,10 @@
                 <a:effectLst/>
                 <a:latin typeface="Gill Sans Nova (Headings)"/>
               </a:rPr>
-              <a:t>metric_params</a:t>
-            </a:r>
-            <a:r>
-              <a:rPr kumimoji="0" lang="en-US" altLang="en-US" sz="1200" b="0" i="0" u="none" strike="noStrike" cap="none" normalizeH="0" baseline="0" dirty="0">
+              <a:t>='adaptive', </a:t>
+            </a:r>
+            <a:r>
+              <a:rPr kumimoji="0" lang="en-US" altLang="en-US" sz="1400" b="0" i="0" u="none" strike="noStrike" cap="none" normalizeH="0" baseline="0" dirty="0" err="1">
                 <a:ln>
                   <a:noFill/>
                 </a:ln>
@@ -18568,10 +18606,10 @@
                 <a:effectLst/>
                 <a:latin typeface="Gill Sans Nova (Headings)"/>
               </a:rPr>
-              <a:t>': None, '</a:t>
-            </a:r>
-            <a:r>
-              <a:rPr kumimoji="0" lang="en-US" altLang="en-US" sz="1200" b="0" i="0" u="none" strike="noStrike" cap="none" normalizeH="0" baseline="0" dirty="0" err="1">
+              <a:t>max_iter</a:t>
+            </a:r>
+            <a:r>
+              <a:rPr kumimoji="0" lang="en-US" altLang="en-US" sz="1400" b="0" i="0" u="none" strike="noStrike" cap="none" normalizeH="0" baseline="0" dirty="0">
                 <a:ln>
                   <a:noFill/>
                 </a:ln>
@@ -18581,10 +18619,10 @@
                 <a:effectLst/>
                 <a:latin typeface="Gill Sans Nova (Headings)"/>
               </a:rPr>
-              <a:t>n_jobs</a:t>
-            </a:r>
-            <a:r>
-              <a:rPr kumimoji="0" lang="en-US" altLang="en-US" sz="1200" b="0" i="0" u="none" strike="noStrike" cap="none" normalizeH="0" baseline="0" dirty="0">
+              <a:t>=500, </a:t>
+            </a:r>
+            <a:r>
+              <a:rPr kumimoji="0" lang="en-US" altLang="en-US" sz="1400" b="0" i="0" u="none" strike="noStrike" cap="none" normalizeH="0" baseline="0" dirty="0" err="1">
                 <a:ln>
                   <a:noFill/>
                 </a:ln>
@@ -18594,10 +18632,10 @@
                 <a:effectLst/>
                 <a:latin typeface="Gill Sans Nova (Headings)"/>
               </a:rPr>
-              <a:t>': None, '</a:t>
-            </a:r>
-            <a:r>
-              <a:rPr kumimoji="0" lang="en-US" altLang="en-US" sz="1200" b="0" i="0" u="none" strike="noStrike" cap="none" normalizeH="0" baseline="0" dirty="0" err="1">
+              <a:t>random_state</a:t>
+            </a:r>
+            <a:r>
+              <a:rPr kumimoji="0" lang="en-US" altLang="en-US" sz="1400" b="0" i="0" u="none" strike="noStrike" cap="none" normalizeH="0" baseline="0" dirty="0">
                 <a:ln>
                   <a:noFill/>
                 </a:ln>
@@ -18607,10 +18645,10 @@
                 <a:effectLst/>
                 <a:latin typeface="Gill Sans Nova (Headings)"/>
               </a:rPr>
-              <a:t>n_neighbors</a:t>
-            </a:r>
-            <a:r>
-              <a:rPr kumimoji="0" lang="en-US" altLang="en-US" sz="1200" b="0" i="0" u="none" strike="noStrike" cap="none" normalizeH="0" baseline="0" dirty="0">
+              <a:t>=42, </a:t>
+            </a:r>
+            <a:r>
+              <a:rPr kumimoji="0" lang="en-US" altLang="en-US" sz="1100" b="0" i="0" u="none" strike="noStrike" cap="none" normalizeH="0" baseline="0" dirty="0" err="1">
                 <a:ln>
                   <a:noFill/>
                 </a:ln>
@@ -18620,14 +18658,36 @@
                 <a:effectLst/>
                 <a:latin typeface="Gill Sans Nova (Headings)"/>
               </a:rPr>
-              <a:t>': 1, 'p': 2, 'weights': 'uniform'}</a:t>
-            </a:r>
-            <a:r>
-              <a:rPr kumimoji="0" lang="en-US" altLang="en-US" sz="1200" b="0" i="0" u="none" strike="noStrike" cap="none" normalizeH="0" baseline="0" dirty="0">
+              <a:t>learning_rate_init</a:t>
+            </a:r>
+            <a:r>
+              <a:rPr lang="en-US" altLang="en-US" sz="1100" dirty="0">
+                <a:solidFill>
+                  <a:srgbClr val="000000"/>
+                </a:solidFill>
+                <a:latin typeface="Gill Sans Nova (Headings)"/>
+              </a:rPr>
+              <a:t>=</a:t>
+            </a:r>
+            <a:r>
+              <a:rPr kumimoji="0" lang="en-US" altLang="en-US" sz="1100" b="0" i="0" u="none" strike="noStrike" cap="none" normalizeH="0" baseline="0" dirty="0">
                 <a:ln>
                   <a:noFill/>
                 </a:ln>
                 <a:solidFill>
+                  <a:srgbClr val="000000"/>
+                </a:solidFill>
+                <a:effectLst/>
+                <a:latin typeface="Gill Sans Nova (Headings)"/>
+              </a:rPr>
+              <a:t> 0.01</a:t>
+            </a:r>
+            <a:r>
+              <a:rPr kumimoji="0" lang="en-US" altLang="en-US" sz="1100" b="0" i="0" u="none" strike="noStrike" cap="none" normalizeH="0" baseline="0" dirty="0">
+                <a:ln>
+                  <a:noFill/>
+                </a:ln>
+                <a:solidFill>
                   <a:schemeClr val="tx1"/>
                 </a:solidFill>
                 <a:effectLst/>
@@ -18635,9 +18695,453 @@
               </a:rPr>
               <a:t> </a:t>
             </a:r>
+            <a:endParaRPr kumimoji="0" lang="en-US" altLang="en-US" sz="3200" b="0" i="0" u="none" strike="noStrike" cap="none" normalizeH="0" baseline="0" dirty="0">
+              <a:ln>
+                <a:noFill/>
+              </a:ln>
+              <a:solidFill>
+                <a:schemeClr val="tx1"/>
+              </a:solidFill>
+              <a:effectLst/>
+              <a:latin typeface="Gill Sans Nova (Headings)"/>
+            </a:endParaRPr>
           </a:p>
         </p:txBody>
       </p:sp>
+      <p:pic>
+        <p:nvPicPr>
+          <p:cNvPr id="15" name="Picture 14">
+            <a:extLst>
+              <a:ext uri="{FF2B5EF4-FFF2-40B4-BE49-F238E27FC236}">
+                <a16:creationId xmlns:a16="http://schemas.microsoft.com/office/drawing/2014/main" id="{0F313330-D62A-2D27-6A62-35D0F9392B90}"/>
+              </a:ext>
+            </a:extLst>
+          </p:cNvPr>
+          <p:cNvPicPr>
+            <a:picLocks noChangeAspect="1"/>
+          </p:cNvPicPr>
+          <p:nvPr/>
+        </p:nvPicPr>
+        <p:blipFill>
+          <a:blip r:embed="rId3"/>
+          <a:stretch>
+            <a:fillRect/>
+          </a:stretch>
+        </p:blipFill>
+        <p:spPr>
+          <a:xfrm>
+            <a:off x="7961373" y="2878913"/>
+            <a:ext cx="3667863" cy="1423600"/>
+          </a:xfrm>
+          <a:prstGeom prst="rect">
+            <a:avLst/>
+          </a:prstGeom>
+        </p:spPr>
+      </p:pic>
+      <p:pic>
+        <p:nvPicPr>
+          <p:cNvPr id="16" name="Picture 15">
+            <a:extLst>
+              <a:ext uri="{FF2B5EF4-FFF2-40B4-BE49-F238E27FC236}">
+                <a16:creationId xmlns:a16="http://schemas.microsoft.com/office/drawing/2014/main" id="{79B8DDAF-A5DD-1E2D-4ABD-2DE9E98C1D19}"/>
+              </a:ext>
+            </a:extLst>
+          </p:cNvPr>
+          <p:cNvPicPr>
+            <a:picLocks noChangeAspect="1"/>
+          </p:cNvPicPr>
+          <p:nvPr/>
+        </p:nvPicPr>
+        <p:blipFill>
+          <a:blip r:embed="rId4"/>
+          <a:stretch>
+            <a:fillRect/>
+          </a:stretch>
+        </p:blipFill>
+        <p:spPr>
+          <a:xfrm>
+            <a:off x="246408" y="2987144"/>
+            <a:ext cx="1381125" cy="1219200"/>
+          </a:xfrm>
+          <a:prstGeom prst="rect">
+            <a:avLst/>
+          </a:prstGeom>
+        </p:spPr>
+      </p:pic>
+      <p:pic>
+        <p:nvPicPr>
+          <p:cNvPr id="17" name="Picture 16">
+            <a:extLst>
+              <a:ext uri="{FF2B5EF4-FFF2-40B4-BE49-F238E27FC236}">
+                <a16:creationId xmlns:a16="http://schemas.microsoft.com/office/drawing/2014/main" id="{D61B42F9-CCAD-6AF2-6676-DDDF137161DF}"/>
+              </a:ext>
+            </a:extLst>
+          </p:cNvPr>
+          <p:cNvPicPr>
+            <a:picLocks noChangeAspect="1"/>
+          </p:cNvPicPr>
+          <p:nvPr/>
+        </p:nvPicPr>
+        <p:blipFill>
+          <a:blip r:embed="rId5"/>
+          <a:stretch>
+            <a:fillRect/>
+          </a:stretch>
+        </p:blipFill>
+        <p:spPr>
+          <a:xfrm>
+            <a:off x="1813891" y="2864763"/>
+            <a:ext cx="3890304" cy="1474697"/>
+          </a:xfrm>
+          <a:prstGeom prst="rect">
+            <a:avLst/>
+          </a:prstGeom>
+        </p:spPr>
+      </p:pic>
+      <p:sp>
+        <p:nvSpPr>
+          <p:cNvPr id="20" name="TextBox 19">
+            <a:extLst>
+              <a:ext uri="{FF2B5EF4-FFF2-40B4-BE49-F238E27FC236}">
+                <a16:creationId xmlns:a16="http://schemas.microsoft.com/office/drawing/2014/main" id="{E17FE0C2-117F-4403-1F06-442D521FE19C}"/>
+              </a:ext>
+            </a:extLst>
+          </p:cNvPr>
+          <p:cNvSpPr txBox="1"/>
+          <p:nvPr/>
+        </p:nvSpPr>
+        <p:spPr>
+          <a:xfrm>
+            <a:off x="8270790" y="54322"/>
+            <a:ext cx="3831292" cy="830997"/>
+          </a:xfrm>
+          <a:prstGeom prst="rect">
+            <a:avLst/>
+          </a:prstGeom>
+          <a:noFill/>
+        </p:spPr>
+        <p:txBody>
+          <a:bodyPr wrap="square">
+            <a:spAutoFit/>
+          </a:bodyPr>
+          <a:lstStyle/>
+          <a:p>
+            <a:pPr algn="r"/>
+            <a:r>
+              <a:rPr lang="en-US" sz="1200" b="1" i="0" dirty="0">
+                <a:effectLst/>
+                <a:latin typeface="Söhne"/>
+              </a:rPr>
+              <a:t>Precision</a:t>
+            </a:r>
+            <a:r>
+              <a:rPr lang="en-US" sz="1200" b="0" i="0" dirty="0">
+                <a:effectLst/>
+                <a:latin typeface="Söhne"/>
+              </a:rPr>
+              <a:t>: </a:t>
+            </a:r>
+            <a:r>
+              <a:rPr lang="th-TH" sz="1200" dirty="0">
+                <a:latin typeface="Söhne"/>
+              </a:rPr>
+              <a:t>ความแม่นยำใน</a:t>
+            </a:r>
+            <a:r>
+              <a:rPr lang="th-TH" sz="1200" dirty="0" err="1">
+                <a:latin typeface="Söhne"/>
+              </a:rPr>
+              <a:t>การทำ</a:t>
+            </a:r>
+            <a:r>
+              <a:rPr lang="th-TH" sz="1200" dirty="0">
+                <a:latin typeface="Söhne"/>
+              </a:rPr>
+              <a:t>นาย </a:t>
+            </a:r>
+            <a:r>
+              <a:rPr lang="en-US" sz="1200" dirty="0">
+                <a:latin typeface="Söhne"/>
+              </a:rPr>
+              <a:t>Class + </a:t>
+            </a:r>
+            <a:r>
+              <a:rPr lang="th-TH" sz="1200" dirty="0">
+                <a:latin typeface="Söhne"/>
+              </a:rPr>
+              <a:t>ถูกต้องกี่ครั้ง คิดเป็น </a:t>
+            </a:r>
+            <a:r>
+              <a:rPr lang="en-US" sz="1200" dirty="0">
+                <a:latin typeface="Söhne"/>
+              </a:rPr>
+              <a:t>% </a:t>
+            </a:r>
+            <a:r>
+              <a:rPr lang="th-TH" sz="1200" dirty="0">
+                <a:latin typeface="Söhne"/>
+              </a:rPr>
+              <a:t>จากทั้งหมด</a:t>
+            </a:r>
+            <a:endParaRPr lang="th-TH" sz="1200" b="0" i="0" dirty="0">
+              <a:effectLst/>
+              <a:latin typeface="Söhne"/>
+            </a:endParaRPr>
+          </a:p>
+          <a:p>
+            <a:pPr algn="r"/>
+            <a:r>
+              <a:rPr lang="en-US" sz="1200" b="1" i="0" dirty="0">
+                <a:effectLst/>
+                <a:latin typeface="Söhne"/>
+              </a:rPr>
+              <a:t>Recall</a:t>
+            </a:r>
+            <a:r>
+              <a:rPr lang="en-US" sz="1200" b="0" i="0" dirty="0">
+                <a:effectLst/>
+                <a:latin typeface="Söhne"/>
+              </a:rPr>
+              <a:t>: </a:t>
+            </a:r>
+            <a:r>
+              <a:rPr lang="th-TH" sz="1200" b="0" i="0" dirty="0">
+                <a:effectLst/>
+                <a:latin typeface="Söhne"/>
+              </a:rPr>
+              <a:t>ความแม่นยำในการตรวจสอบ </a:t>
+            </a:r>
+            <a:r>
+              <a:rPr lang="en-US" sz="1200" b="0" i="0" dirty="0">
+                <a:effectLst/>
+                <a:latin typeface="Söhne"/>
+              </a:rPr>
+              <a:t>Clas</a:t>
+            </a:r>
+            <a:r>
+              <a:rPr lang="en-US" sz="1200" dirty="0">
+                <a:latin typeface="Söhne"/>
+              </a:rPr>
+              <a:t>s + </a:t>
+            </a:r>
+            <a:r>
+              <a:rPr lang="th-TH" sz="1200" dirty="0">
+                <a:latin typeface="Söhne"/>
+              </a:rPr>
+              <a:t>จากตัวอย่างข้อมูล </a:t>
+            </a:r>
+            <a:r>
+              <a:rPr lang="en-US" sz="1200" dirty="0">
+                <a:latin typeface="Söhne"/>
+              </a:rPr>
+              <a:t>n </a:t>
+            </a:r>
+            <a:r>
+              <a:rPr lang="th-TH" sz="1200" dirty="0">
+                <a:latin typeface="Söhne"/>
+              </a:rPr>
+              <a:t>ตัว</a:t>
+            </a:r>
+            <a:endParaRPr lang="th-TH" sz="1200" b="0" i="0" dirty="0">
+              <a:effectLst/>
+              <a:latin typeface="Söhne"/>
+            </a:endParaRPr>
+          </a:p>
+          <a:p>
+            <a:pPr algn="r"/>
+            <a:r>
+              <a:rPr lang="en-US" sz="1200" b="1" i="0" dirty="0">
+                <a:effectLst/>
+                <a:latin typeface="Söhne"/>
+              </a:rPr>
+              <a:t>F1-Score</a:t>
+            </a:r>
+            <a:r>
+              <a:rPr lang="en-US" sz="1200" b="0" i="0" dirty="0">
+                <a:effectLst/>
+                <a:latin typeface="Söhne"/>
+              </a:rPr>
+              <a:t>: </a:t>
+            </a:r>
+            <a:r>
+              <a:rPr lang="th-TH" sz="1200" b="0" i="0" dirty="0">
+                <a:effectLst/>
+                <a:latin typeface="Söhne"/>
+              </a:rPr>
+              <a:t>ค่าเฉลี่ยความถูกต้องระหว่าง </a:t>
+            </a:r>
+            <a:r>
+              <a:rPr lang="en-US" sz="1200" b="0" i="0" dirty="0">
+                <a:effectLst/>
+                <a:latin typeface="Söhne"/>
+              </a:rPr>
+              <a:t>Precision </a:t>
+            </a:r>
+            <a:r>
+              <a:rPr lang="th-TH" sz="1200" b="0" i="0" dirty="0">
+                <a:effectLst/>
+                <a:latin typeface="Söhne"/>
+              </a:rPr>
+              <a:t>และ </a:t>
+            </a:r>
+            <a:r>
+              <a:rPr lang="en-US" sz="1200" b="0" i="0" dirty="0">
+                <a:effectLst/>
+                <a:latin typeface="Söhne"/>
+              </a:rPr>
+              <a:t>Recall </a:t>
+            </a:r>
+            <a:endParaRPr lang="th-TH" sz="1200" b="0" i="0" dirty="0">
+              <a:effectLst/>
+              <a:latin typeface="Söhne"/>
+            </a:endParaRPr>
+          </a:p>
+          <a:p>
+            <a:pPr algn="r"/>
+            <a:r>
+              <a:rPr lang="en-US" sz="1200" b="1" i="0" dirty="0">
+                <a:effectLst/>
+                <a:latin typeface="Söhne"/>
+              </a:rPr>
+              <a:t>Support</a:t>
+            </a:r>
+            <a:r>
+              <a:rPr lang="en-US" sz="1200" b="0" i="0" dirty="0">
+                <a:effectLst/>
+                <a:latin typeface="Söhne"/>
+              </a:rPr>
+              <a:t>: </a:t>
+            </a:r>
+            <a:r>
+              <a:rPr lang="th-TH" sz="1200" b="0" i="0" dirty="0">
+                <a:effectLst/>
+                <a:latin typeface="Söhne"/>
+              </a:rPr>
+              <a:t>จำนวนตัวอย่างที่อยู่ในแต่ละคลาสในชุดข้อมูลทดสอบ</a:t>
+            </a:r>
+          </a:p>
+        </p:txBody>
+      </p:sp>
+      <p:pic>
+        <p:nvPicPr>
+          <p:cNvPr id="3" name="Picture 2">
+            <a:extLst>
+              <a:ext uri="{FF2B5EF4-FFF2-40B4-BE49-F238E27FC236}">
+                <a16:creationId xmlns:a16="http://schemas.microsoft.com/office/drawing/2014/main" id="{8DDBBB00-FDF4-EB62-9AEE-4F8ABE22D6EB}"/>
+              </a:ext>
+            </a:extLst>
+          </p:cNvPr>
+          <p:cNvPicPr>
+            <a:picLocks noChangeAspect="1"/>
+          </p:cNvPicPr>
+          <p:nvPr/>
+        </p:nvPicPr>
+        <p:blipFill>
+          <a:blip r:embed="rId6"/>
+          <a:stretch>
+            <a:fillRect/>
+          </a:stretch>
+        </p:blipFill>
+        <p:spPr>
+          <a:xfrm>
+            <a:off x="246408" y="5208887"/>
+            <a:ext cx="1447800" cy="1200150"/>
+          </a:xfrm>
+          <a:prstGeom prst="rect">
+            <a:avLst/>
+          </a:prstGeom>
+        </p:spPr>
+      </p:pic>
+      <p:pic>
+        <p:nvPicPr>
+          <p:cNvPr id="4" name="Picture 3">
+            <a:extLst>
+              <a:ext uri="{FF2B5EF4-FFF2-40B4-BE49-F238E27FC236}">
+                <a16:creationId xmlns:a16="http://schemas.microsoft.com/office/drawing/2014/main" id="{A706845D-256A-0143-E2B1-078FA654680E}"/>
+              </a:ext>
+            </a:extLst>
+          </p:cNvPr>
+          <p:cNvPicPr>
+            <a:picLocks noChangeAspect="1"/>
+          </p:cNvPicPr>
+          <p:nvPr/>
+        </p:nvPicPr>
+        <p:blipFill>
+          <a:blip r:embed="rId7"/>
+          <a:stretch>
+            <a:fillRect/>
+          </a:stretch>
+        </p:blipFill>
+        <p:spPr>
+          <a:xfrm>
+            <a:off x="1813891" y="5064211"/>
+            <a:ext cx="3753072" cy="1484361"/>
+          </a:xfrm>
+          <a:prstGeom prst="rect">
+            <a:avLst/>
+          </a:prstGeom>
+        </p:spPr>
+      </p:pic>
+      <p:pic>
+        <p:nvPicPr>
+          <p:cNvPr id="14" name="Picture 13">
+            <a:extLst>
+              <a:ext uri="{FF2B5EF4-FFF2-40B4-BE49-F238E27FC236}">
+                <a16:creationId xmlns:a16="http://schemas.microsoft.com/office/drawing/2014/main" id="{25211C6B-2264-2F13-19B1-F339ACA238F9}"/>
+              </a:ext>
+            </a:extLst>
+          </p:cNvPr>
+          <p:cNvPicPr>
+            <a:picLocks noChangeAspect="1"/>
+          </p:cNvPicPr>
+          <p:nvPr/>
+        </p:nvPicPr>
+        <p:blipFill>
+          <a:blip r:embed="rId8"/>
+          <a:stretch>
+            <a:fillRect/>
+          </a:stretch>
+        </p:blipFill>
+        <p:spPr>
+          <a:xfrm>
+            <a:off x="6435519" y="5277753"/>
+            <a:ext cx="1371600" cy="1057275"/>
+          </a:xfrm>
+          <a:prstGeom prst="rect">
+            <a:avLst/>
+          </a:prstGeom>
+        </p:spPr>
+      </p:pic>
+      <p:pic>
+        <p:nvPicPr>
+          <p:cNvPr id="22" name="Picture 21">
+            <a:extLst>
+              <a:ext uri="{FF2B5EF4-FFF2-40B4-BE49-F238E27FC236}">
+                <a16:creationId xmlns:a16="http://schemas.microsoft.com/office/drawing/2014/main" id="{5B075BA0-3E3F-671A-B030-7F95A5A35159}"/>
+              </a:ext>
+            </a:extLst>
+          </p:cNvPr>
+          <p:cNvPicPr>
+            <a:picLocks noChangeAspect="1"/>
+          </p:cNvPicPr>
+          <p:nvPr/>
+        </p:nvPicPr>
+        <p:blipFill>
+          <a:blip r:embed="rId9"/>
+          <a:stretch>
+            <a:fillRect/>
+          </a:stretch>
+        </p:blipFill>
+        <p:spPr>
+          <a:xfrm>
+            <a:off x="8023654" y="5155674"/>
+            <a:ext cx="3520502" cy="1375067"/>
+          </a:xfrm>
+          <a:prstGeom prst="rect">
+            <a:avLst/>
+          </a:prstGeom>
+        </p:spPr>
+      </p:pic>
       <p:sp>
         <p:nvSpPr>
           <p:cNvPr id="37" name="Rectangle 36">
@@ -18652,8 +19156,8 @@
         </p:nvSpPr>
         <p:spPr>
           <a:xfrm>
-            <a:off x="7362930" y="2917051"/>
-            <a:ext cx="384585" cy="1126763"/>
+            <a:off x="1307018" y="3050781"/>
+            <a:ext cx="275796" cy="1126763"/>
           </a:xfrm>
           <a:prstGeom prst="rect">
             <a:avLst/>
@@ -18704,7 +19208,7 @@
         </p:nvSpPr>
         <p:spPr>
           <a:xfrm>
-            <a:off x="6819010" y="3723503"/>
+            <a:off x="654309" y="3857233"/>
             <a:ext cx="928505" cy="320311"/>
           </a:xfrm>
           <a:prstGeom prst="rect">
@@ -18742,380 +19246,162 @@
           </a:p>
         </p:txBody>
       </p:sp>
-      <p:pic>
-        <p:nvPicPr>
-          <p:cNvPr id="15" name="Picture 14">
-            <a:extLst>
-              <a:ext uri="{FF2B5EF4-FFF2-40B4-BE49-F238E27FC236}">
-                <a16:creationId xmlns:a16="http://schemas.microsoft.com/office/drawing/2014/main" id="{0F313330-D62A-2D27-6A62-35D0F9392B90}"/>
-              </a:ext>
-            </a:extLst>
-          </p:cNvPr>
-          <p:cNvPicPr>
-            <a:picLocks noChangeAspect="1"/>
-          </p:cNvPicPr>
-          <p:nvPr/>
-        </p:nvPicPr>
-        <p:blipFill>
-          <a:blip r:embed="rId3"/>
-          <a:stretch>
-            <a:fillRect/>
-          </a:stretch>
-        </p:blipFill>
-        <p:spPr>
-          <a:xfrm>
-            <a:off x="7961373" y="2878913"/>
-            <a:ext cx="3667863" cy="1423600"/>
-          </a:xfrm>
-          <a:prstGeom prst="rect">
-            <a:avLst/>
-          </a:prstGeom>
-        </p:spPr>
-      </p:pic>
-      <p:pic>
-        <p:nvPicPr>
-          <p:cNvPr id="16" name="Picture 15">
-            <a:extLst>
-              <a:ext uri="{FF2B5EF4-FFF2-40B4-BE49-F238E27FC236}">
-                <a16:creationId xmlns:a16="http://schemas.microsoft.com/office/drawing/2014/main" id="{79B8DDAF-A5DD-1E2D-4ABD-2DE9E98C1D19}"/>
-              </a:ext>
-            </a:extLst>
-          </p:cNvPr>
-          <p:cNvPicPr>
-            <a:picLocks noChangeAspect="1"/>
-          </p:cNvPicPr>
-          <p:nvPr/>
-        </p:nvPicPr>
-        <p:blipFill>
-          <a:blip r:embed="rId4"/>
-          <a:stretch>
-            <a:fillRect/>
-          </a:stretch>
-        </p:blipFill>
-        <p:spPr>
-          <a:xfrm>
-            <a:off x="246408" y="2987144"/>
-            <a:ext cx="1381125" cy="1219200"/>
-          </a:xfrm>
-          <a:prstGeom prst="rect">
-            <a:avLst/>
-          </a:prstGeom>
-        </p:spPr>
-      </p:pic>
-      <p:pic>
-        <p:nvPicPr>
-          <p:cNvPr id="17" name="Picture 16">
-            <a:extLst>
-              <a:ext uri="{FF2B5EF4-FFF2-40B4-BE49-F238E27FC236}">
-                <a16:creationId xmlns:a16="http://schemas.microsoft.com/office/drawing/2014/main" id="{D61B42F9-CCAD-6AF2-6676-DDDF137161DF}"/>
-              </a:ext>
-            </a:extLst>
-          </p:cNvPr>
-          <p:cNvPicPr>
-            <a:picLocks noChangeAspect="1"/>
-          </p:cNvPicPr>
-          <p:nvPr/>
-        </p:nvPicPr>
-        <p:blipFill>
-          <a:blip r:embed="rId5"/>
-          <a:stretch>
-            <a:fillRect/>
-          </a:stretch>
-        </p:blipFill>
-        <p:spPr>
-          <a:xfrm>
-            <a:off x="1813891" y="2864763"/>
-            <a:ext cx="3890304" cy="1474697"/>
-          </a:xfrm>
-          <a:prstGeom prst="rect">
-            <a:avLst/>
-          </a:prstGeom>
-        </p:spPr>
-      </p:pic>
       <p:sp>
         <p:nvSpPr>
-          <p:cNvPr id="20" name="TextBox 19">
-            <a:extLst>
-              <a:ext uri="{FF2B5EF4-FFF2-40B4-BE49-F238E27FC236}">
-                <a16:creationId xmlns:a16="http://schemas.microsoft.com/office/drawing/2014/main" id="{E17FE0C2-117F-4403-1F06-442D521FE19C}"/>
-              </a:ext>
-            </a:extLst>
-          </p:cNvPr>
-          <p:cNvSpPr txBox="1"/>
+          <p:cNvPr id="23" name="Rectangle 22">
+            <a:extLst>
+              <a:ext uri="{FF2B5EF4-FFF2-40B4-BE49-F238E27FC236}">
+                <a16:creationId xmlns:a16="http://schemas.microsoft.com/office/drawing/2014/main" id="{F0BD1EFA-D323-5816-0084-2B31128B7049}"/>
+              </a:ext>
+            </a:extLst>
+          </p:cNvPr>
+          <p:cNvSpPr/>
           <p:nvPr/>
         </p:nvSpPr>
         <p:spPr>
           <a:xfrm>
-            <a:off x="8270790" y="54322"/>
-            <a:ext cx="3831292" cy="830997"/>
+            <a:off x="1031222" y="5243008"/>
+            <a:ext cx="275796" cy="1126763"/>
           </a:xfrm>
           <a:prstGeom prst="rect">
             <a:avLst/>
           </a:prstGeom>
           <a:noFill/>
+          <a:ln>
+            <a:solidFill>
+              <a:srgbClr val="FF0000"/>
+            </a:solidFill>
+          </a:ln>
         </p:spPr>
+        <p:style>
+          <a:lnRef idx="2">
+            <a:schemeClr val="accent1">
+              <a:shade val="15000"/>
+            </a:schemeClr>
+          </a:lnRef>
+          <a:fillRef idx="1">
+            <a:schemeClr val="accent1"/>
+          </a:fillRef>
+          <a:effectRef idx="0">
+            <a:schemeClr val="accent1"/>
+          </a:effectRef>
+          <a:fontRef idx="minor">
+            <a:schemeClr val="lt1"/>
+          </a:fontRef>
+        </p:style>
         <p:txBody>
-          <a:bodyPr wrap="square">
-            <a:spAutoFit/>
-          </a:bodyPr>
+          <a:bodyPr rtlCol="0" anchor="ctr"/>
           <a:lstStyle/>
           <a:p>
-            <a:pPr algn="r"/>
-            <a:r>
-              <a:rPr lang="en-US" sz="1200" b="1" i="0" dirty="0">
-                <a:effectLst/>
-                <a:latin typeface="Söhne"/>
-              </a:rPr>
-              <a:t>Precision</a:t>
-            </a:r>
-            <a:r>
-              <a:rPr lang="en-US" sz="1200" b="0" i="0" dirty="0">
-                <a:effectLst/>
-                <a:latin typeface="Söhne"/>
-              </a:rPr>
-              <a:t>: </a:t>
-            </a:r>
-            <a:r>
-              <a:rPr lang="th-TH" sz="1200" dirty="0">
-                <a:latin typeface="Söhne"/>
-              </a:rPr>
-              <a:t>ความแม่นยำใน</a:t>
-            </a:r>
-            <a:r>
-              <a:rPr lang="th-TH" sz="1200" dirty="0" err="1">
-                <a:latin typeface="Söhne"/>
-              </a:rPr>
-              <a:t>การทำ</a:t>
-            </a:r>
-            <a:r>
-              <a:rPr lang="th-TH" sz="1200" dirty="0">
-                <a:latin typeface="Söhne"/>
-              </a:rPr>
-              <a:t>นาย </a:t>
-            </a:r>
-            <a:r>
-              <a:rPr lang="en-US" sz="1200" dirty="0">
-                <a:latin typeface="Söhne"/>
-              </a:rPr>
-              <a:t>Class + </a:t>
-            </a:r>
-            <a:r>
-              <a:rPr lang="th-TH" sz="1200" dirty="0">
-                <a:latin typeface="Söhne"/>
-              </a:rPr>
-              <a:t>ถูกต้องกี่ครั้ง คิดเป็น </a:t>
-            </a:r>
-            <a:r>
-              <a:rPr lang="en-US" sz="1200" dirty="0">
-                <a:latin typeface="Söhne"/>
-              </a:rPr>
-              <a:t>% </a:t>
-            </a:r>
-            <a:r>
-              <a:rPr lang="th-TH" sz="1200" dirty="0">
-                <a:latin typeface="Söhne"/>
-              </a:rPr>
-              <a:t>จากทั้งหมด</a:t>
-            </a:r>
-            <a:endParaRPr lang="th-TH" sz="1200" b="0" i="0" dirty="0">
-              <a:effectLst/>
-              <a:latin typeface="Söhne"/>
-            </a:endParaRPr>
-          </a:p>
-          <a:p>
-            <a:pPr algn="r"/>
-            <a:r>
-              <a:rPr lang="en-US" sz="1200" b="1" i="0" dirty="0">
-                <a:effectLst/>
-                <a:latin typeface="Söhne"/>
-              </a:rPr>
-              <a:t>Recall</a:t>
-            </a:r>
-            <a:r>
-              <a:rPr lang="en-US" sz="1200" b="0" i="0" dirty="0">
-                <a:effectLst/>
-                <a:latin typeface="Söhne"/>
-              </a:rPr>
-              <a:t>: </a:t>
-            </a:r>
-            <a:r>
-              <a:rPr lang="th-TH" sz="1200" b="0" i="0" dirty="0">
-                <a:effectLst/>
-                <a:latin typeface="Söhne"/>
-              </a:rPr>
-              <a:t>ความแม่นยำในการตรวจสอบ </a:t>
-            </a:r>
-            <a:r>
-              <a:rPr lang="en-US" sz="1200" b="0" i="0" dirty="0">
-                <a:effectLst/>
-                <a:latin typeface="Söhne"/>
-              </a:rPr>
-              <a:t>Clas</a:t>
-            </a:r>
-            <a:r>
-              <a:rPr lang="en-US" sz="1200" dirty="0">
-                <a:latin typeface="Söhne"/>
-              </a:rPr>
-              <a:t>s + </a:t>
-            </a:r>
-            <a:r>
-              <a:rPr lang="th-TH" sz="1200" dirty="0">
-                <a:latin typeface="Söhne"/>
-              </a:rPr>
-              <a:t>จากตัวอย่างข้อมูล </a:t>
-            </a:r>
-            <a:r>
-              <a:rPr lang="en-US" sz="1200" dirty="0">
-                <a:latin typeface="Söhne"/>
-              </a:rPr>
-              <a:t>n </a:t>
-            </a:r>
-            <a:r>
-              <a:rPr lang="th-TH" sz="1200" dirty="0">
-                <a:latin typeface="Söhne"/>
-              </a:rPr>
-              <a:t>ตัว</a:t>
-            </a:r>
-            <a:endParaRPr lang="th-TH" sz="1200" b="0" i="0" dirty="0">
-              <a:effectLst/>
-              <a:latin typeface="Söhne"/>
-            </a:endParaRPr>
-          </a:p>
-          <a:p>
-            <a:pPr algn="r"/>
-            <a:r>
-              <a:rPr lang="en-US" sz="1200" b="1" i="0" dirty="0">
-                <a:effectLst/>
-                <a:latin typeface="Söhne"/>
-              </a:rPr>
-              <a:t>F1-Score</a:t>
-            </a:r>
-            <a:r>
-              <a:rPr lang="en-US" sz="1200" b="0" i="0" dirty="0">
-                <a:effectLst/>
-                <a:latin typeface="Söhne"/>
-              </a:rPr>
-              <a:t>: </a:t>
-            </a:r>
-            <a:r>
-              <a:rPr lang="th-TH" sz="1200" b="0" i="0" dirty="0">
-                <a:effectLst/>
-                <a:latin typeface="Söhne"/>
-              </a:rPr>
-              <a:t>ค่าเฉลี่ยความถูกต้องระหว่าง </a:t>
-            </a:r>
-            <a:r>
-              <a:rPr lang="en-US" sz="1200" b="0" i="0" dirty="0">
-                <a:effectLst/>
-                <a:latin typeface="Söhne"/>
-              </a:rPr>
-              <a:t>Precision </a:t>
-            </a:r>
-            <a:r>
-              <a:rPr lang="th-TH" sz="1200" b="0" i="0" dirty="0">
-                <a:effectLst/>
-                <a:latin typeface="Söhne"/>
-              </a:rPr>
-              <a:t>และ </a:t>
-            </a:r>
-            <a:r>
-              <a:rPr lang="en-US" sz="1200" b="0" i="0" dirty="0">
-                <a:effectLst/>
-                <a:latin typeface="Söhne"/>
-              </a:rPr>
-              <a:t>Recall </a:t>
-            </a:r>
-            <a:endParaRPr lang="th-TH" sz="1200" b="0" i="0" dirty="0">
-              <a:effectLst/>
-              <a:latin typeface="Söhne"/>
-            </a:endParaRPr>
-          </a:p>
-          <a:p>
-            <a:pPr algn="r"/>
-            <a:r>
-              <a:rPr lang="en-US" sz="1200" b="1" i="0" dirty="0">
-                <a:effectLst/>
-                <a:latin typeface="Söhne"/>
-              </a:rPr>
-              <a:t>Support</a:t>
-            </a:r>
-            <a:r>
-              <a:rPr lang="en-US" sz="1200" b="0" i="0" dirty="0">
-                <a:effectLst/>
-                <a:latin typeface="Söhne"/>
-              </a:rPr>
-              <a:t>: </a:t>
-            </a:r>
-            <a:r>
-              <a:rPr lang="th-TH" sz="1200" b="0" i="0" dirty="0">
-                <a:effectLst/>
-                <a:latin typeface="Söhne"/>
-              </a:rPr>
-              <a:t>จำนวนตัวอย่างที่อยู่ในแต่ละคลาสในชุดข้อมูลทดสอบ</a:t>
-            </a:r>
+            <a:pPr algn="ctr"/>
+            <a:endParaRPr lang="en-US"/>
           </a:p>
         </p:txBody>
       </p:sp>
-      <p:pic>
-        <p:nvPicPr>
-          <p:cNvPr id="3" name="Picture 2">
-            <a:extLst>
-              <a:ext uri="{FF2B5EF4-FFF2-40B4-BE49-F238E27FC236}">
-                <a16:creationId xmlns:a16="http://schemas.microsoft.com/office/drawing/2014/main" id="{8DDBBB00-FDF4-EB62-9AEE-4F8ABE22D6EB}"/>
-              </a:ext>
-            </a:extLst>
-          </p:cNvPr>
-          <p:cNvPicPr>
-            <a:picLocks noChangeAspect="1"/>
-          </p:cNvPicPr>
+      <p:sp>
+        <p:nvSpPr>
+          <p:cNvPr id="24" name="Rectangle 23">
+            <a:extLst>
+              <a:ext uri="{FF2B5EF4-FFF2-40B4-BE49-F238E27FC236}">
+                <a16:creationId xmlns:a16="http://schemas.microsoft.com/office/drawing/2014/main" id="{636846B3-B641-ECEC-CCD3-7DD1CC13C0BE}"/>
+              </a:ext>
+            </a:extLst>
+          </p:cNvPr>
+          <p:cNvSpPr/>
           <p:nvPr/>
-        </p:nvPicPr>
-        <p:blipFill>
-          <a:blip r:embed="rId6"/>
-          <a:stretch>
-            <a:fillRect/>
-          </a:stretch>
-        </p:blipFill>
+        </p:nvSpPr>
         <p:spPr>
           <a:xfrm>
-            <a:off x="246408" y="5208887"/>
-            <a:ext cx="1447800" cy="1200150"/>
+            <a:off x="708454" y="6046783"/>
+            <a:ext cx="603022" cy="320311"/>
           </a:xfrm>
           <a:prstGeom prst="rect">
             <a:avLst/>
           </a:prstGeom>
+          <a:noFill/>
+          <a:ln>
+            <a:solidFill>
+              <a:srgbClr val="FF0000"/>
+            </a:solidFill>
+          </a:ln>
         </p:spPr>
-      </p:pic>
-      <p:pic>
-        <p:nvPicPr>
-          <p:cNvPr id="4" name="Picture 3">
-            <a:extLst>
-              <a:ext uri="{FF2B5EF4-FFF2-40B4-BE49-F238E27FC236}">
-                <a16:creationId xmlns:a16="http://schemas.microsoft.com/office/drawing/2014/main" id="{A706845D-256A-0143-E2B1-078FA654680E}"/>
-              </a:ext>
-            </a:extLst>
-          </p:cNvPr>
-          <p:cNvPicPr>
-            <a:picLocks noChangeAspect="1"/>
-          </p:cNvPicPr>
+        <p:style>
+          <a:lnRef idx="2">
+            <a:schemeClr val="accent1">
+              <a:shade val="15000"/>
+            </a:schemeClr>
+          </a:lnRef>
+          <a:fillRef idx="1">
+            <a:schemeClr val="accent1"/>
+          </a:fillRef>
+          <a:effectRef idx="0">
+            <a:schemeClr val="accent1"/>
+          </a:effectRef>
+          <a:fontRef idx="minor">
+            <a:schemeClr val="lt1"/>
+          </a:fontRef>
+        </p:style>
+        <p:txBody>
+          <a:bodyPr rtlCol="0" anchor="ctr"/>
+          <a:lstStyle/>
+          <a:p>
+            <a:pPr algn="ctr"/>
+            <a:endParaRPr lang="en-US"/>
+          </a:p>
+        </p:txBody>
+      </p:sp>
+      <p:sp>
+        <p:nvSpPr>
+          <p:cNvPr id="25" name="Rectangle 24">
+            <a:extLst>
+              <a:ext uri="{FF2B5EF4-FFF2-40B4-BE49-F238E27FC236}">
+                <a16:creationId xmlns:a16="http://schemas.microsoft.com/office/drawing/2014/main" id="{A946E78B-1739-A57A-2B7E-5C43DB5B8930}"/>
+              </a:ext>
+            </a:extLst>
+          </p:cNvPr>
+          <p:cNvSpPr/>
           <p:nvPr/>
-        </p:nvPicPr>
-        <p:blipFill>
-          <a:blip r:embed="rId7"/>
-          <a:stretch>
-            <a:fillRect/>
-          </a:stretch>
-        </p:blipFill>
+        </p:nvSpPr>
         <p:spPr>
           <a:xfrm>
-            <a:off x="1813891" y="5064211"/>
-            <a:ext cx="3753072" cy="1484361"/>
+            <a:off x="2463114" y="3492843"/>
+            <a:ext cx="2512539" cy="181233"/>
           </a:xfrm>
           <a:prstGeom prst="rect">
             <a:avLst/>
           </a:prstGeom>
+          <a:noFill/>
+          <a:ln>
+            <a:solidFill>
+              <a:srgbClr val="FF0000"/>
+            </a:solidFill>
+          </a:ln>
         </p:spPr>
-      </p:pic>
+        <p:style>
+          <a:lnRef idx="2">
+            <a:schemeClr val="accent1">
+              <a:shade val="15000"/>
+            </a:schemeClr>
+          </a:lnRef>
+          <a:fillRef idx="1">
+            <a:schemeClr val="accent1"/>
+          </a:fillRef>
+          <a:effectRef idx="0">
+            <a:schemeClr val="accent1"/>
+          </a:effectRef>
+          <a:fontRef idx="minor">
+            <a:schemeClr val="lt1"/>
+          </a:fontRef>
+        </p:style>
+        <p:txBody>
+          <a:bodyPr rtlCol="0" anchor="ctr"/>
+          <a:lstStyle/>
+          <a:p>
+            <a:pPr algn="ctr"/>
+            <a:endParaRPr lang="en-US"/>
+          </a:p>
+        </p:txBody>
+      </p:sp>
     </p:spTree>
     <p:extLst>
       <p:ext uri="{BB962C8B-B14F-4D97-AF65-F5344CB8AC3E}">
@@ -19344,7 +19630,7 @@
         </p:blipFill>
         <p:spPr>
           <a:xfrm>
-            <a:off x="178876" y="2340694"/>
+            <a:off x="178876" y="3369060"/>
             <a:ext cx="1600112" cy="1327984"/>
           </a:xfrm>
           <a:prstGeom prst="rect">
@@ -19374,8 +19660,8 @@
         </p:blipFill>
         <p:spPr>
           <a:xfrm>
-            <a:off x="178876" y="3668678"/>
-            <a:ext cx="4124325" cy="1543050"/>
+            <a:off x="178875" y="4912109"/>
+            <a:ext cx="3615335" cy="1352619"/>
           </a:xfrm>
           <a:prstGeom prst="rect">
             <a:avLst/>
@@ -19458,8 +19744,8 @@
         </p:blipFill>
         <p:spPr>
           <a:xfrm>
-            <a:off x="4502150" y="2430428"/>
-            <a:ext cx="1400175" cy="1123950"/>
+            <a:off x="4535487" y="3464220"/>
+            <a:ext cx="1518834" cy="1219200"/>
           </a:xfrm>
           <a:prstGeom prst="rect">
             <a:avLst/>
@@ -19488,8 +19774,8 @@
         </p:blipFill>
         <p:spPr>
           <a:xfrm>
-            <a:off x="4502150" y="3554378"/>
-            <a:ext cx="4191000" cy="1657350"/>
+            <a:off x="4568824" y="4914636"/>
+            <a:ext cx="3414027" cy="1350092"/>
           </a:xfrm>
           <a:prstGeom prst="rect">
             <a:avLst/>
@@ -19546,7 +19832,7 @@
         </p:nvCxnSpPr>
         <p:spPr>
           <a:xfrm>
-            <a:off x="8758976" y="1536970"/>
+            <a:off x="8248229" y="1536970"/>
             <a:ext cx="0" cy="5184507"/>
           </a:xfrm>
           <a:prstGeom prst="line">
@@ -19843,6 +20129,687 @@
               </a:rPr>
               <a:t>จำนวนตัวอย่างที่อยู่ในแต่ละคลาสในชุดข้อมูลทดสอบ</a:t>
             </a:r>
+          </a:p>
+        </p:txBody>
+      </p:sp>
+      <p:pic>
+        <p:nvPicPr>
+          <p:cNvPr id="3" name="Picture 2">
+            <a:extLst>
+              <a:ext uri="{FF2B5EF4-FFF2-40B4-BE49-F238E27FC236}">
+                <a16:creationId xmlns:a16="http://schemas.microsoft.com/office/drawing/2014/main" id="{6B42DD7A-412B-E8A3-E7A1-ADD60AE1C64C}"/>
+              </a:ext>
+            </a:extLst>
+          </p:cNvPr>
+          <p:cNvPicPr>
+            <a:picLocks noChangeAspect="1"/>
+          </p:cNvPicPr>
+          <p:nvPr/>
+        </p:nvPicPr>
+        <p:blipFill>
+          <a:blip r:embed="rId6"/>
+          <a:stretch>
+            <a:fillRect/>
+          </a:stretch>
+        </p:blipFill>
+        <p:spPr>
+          <a:xfrm>
+            <a:off x="8436999" y="3469562"/>
+            <a:ext cx="1381125" cy="1219200"/>
+          </a:xfrm>
+          <a:prstGeom prst="rect">
+            <a:avLst/>
+          </a:prstGeom>
+        </p:spPr>
+      </p:pic>
+      <p:pic>
+        <p:nvPicPr>
+          <p:cNvPr id="10" name="Picture 9">
+            <a:extLst>
+              <a:ext uri="{FF2B5EF4-FFF2-40B4-BE49-F238E27FC236}">
+                <a16:creationId xmlns:a16="http://schemas.microsoft.com/office/drawing/2014/main" id="{25A4D620-5741-F335-A2ED-900D6ED205EB}"/>
+              </a:ext>
+            </a:extLst>
+          </p:cNvPr>
+          <p:cNvPicPr>
+            <a:picLocks noChangeAspect="1"/>
+          </p:cNvPicPr>
+          <p:nvPr/>
+        </p:nvPicPr>
+        <p:blipFill>
+          <a:blip r:embed="rId7"/>
+          <a:stretch>
+            <a:fillRect/>
+          </a:stretch>
+        </p:blipFill>
+        <p:spPr>
+          <a:xfrm>
+            <a:off x="8436999" y="4919978"/>
+            <a:ext cx="3547499" cy="1344750"/>
+          </a:xfrm>
+          <a:prstGeom prst="rect">
+            <a:avLst/>
+          </a:prstGeom>
+        </p:spPr>
+      </p:pic>
+      <p:sp>
+        <p:nvSpPr>
+          <p:cNvPr id="15" name="Title 1">
+            <a:extLst>
+              <a:ext uri="{FF2B5EF4-FFF2-40B4-BE49-F238E27FC236}">
+                <a16:creationId xmlns:a16="http://schemas.microsoft.com/office/drawing/2014/main" id="{F99D23DD-EF7A-750C-2E42-30D9304F8540}"/>
+              </a:ext>
+            </a:extLst>
+          </p:cNvPr>
+          <p:cNvSpPr txBox="1">
+            <a:spLocks/>
+          </p:cNvSpPr>
+          <p:nvPr/>
+        </p:nvSpPr>
+        <p:spPr>
+          <a:xfrm>
+            <a:off x="8386675" y="1643975"/>
+            <a:ext cx="4124325" cy="452033"/>
+          </a:xfrm>
+          <a:prstGeom prst="rect">
+            <a:avLst/>
+          </a:prstGeom>
+        </p:spPr>
+        <p:txBody>
+          <a:bodyPr vert="horz" lIns="91440" tIns="45720" rIns="91440" bIns="45720" rtlCol="0" anchor="ctr">
+            <a:normAutofit/>
+          </a:bodyPr>
+          <a:lstStyle>
+            <a:lvl1pPr algn="l" defTabSz="914400" rtl="0" eaLnBrk="1" latinLnBrk="0" hangingPunct="1">
+              <a:lnSpc>
+                <a:spcPct val="90000"/>
+              </a:lnSpc>
+              <a:spcBef>
+                <a:spcPct val="0"/>
+              </a:spcBef>
+              <a:buNone/>
+              <a:defRPr sz="5400" kern="1200">
+                <a:solidFill>
+                  <a:schemeClr val="tx2"/>
+                </a:solidFill>
+                <a:latin typeface="+mj-lt"/>
+                <a:ea typeface="+mj-ea"/>
+                <a:cs typeface="+mj-cs"/>
+              </a:defRPr>
+            </a:lvl1pPr>
+          </a:lstStyle>
+          <a:p>
+            <a:r>
+              <a:rPr lang="en-US" sz="1800" dirty="0"/>
+              <a:t>Neural Network</a:t>
+            </a:r>
+          </a:p>
+        </p:txBody>
+      </p:sp>
+      <p:sp>
+        <p:nvSpPr>
+          <p:cNvPr id="16" name="Title 1">
+            <a:extLst>
+              <a:ext uri="{FF2B5EF4-FFF2-40B4-BE49-F238E27FC236}">
+                <a16:creationId xmlns:a16="http://schemas.microsoft.com/office/drawing/2014/main" id="{FABD0DE7-2413-C313-F5E5-F8CE1EDC85DC}"/>
+              </a:ext>
+            </a:extLst>
+          </p:cNvPr>
+          <p:cNvSpPr txBox="1">
+            <a:spLocks/>
+          </p:cNvSpPr>
+          <p:nvPr/>
+        </p:nvSpPr>
+        <p:spPr>
+          <a:xfrm>
+            <a:off x="178875" y="2043497"/>
+            <a:ext cx="3773244" cy="1325563"/>
+          </a:xfrm>
+          <a:prstGeom prst="rect">
+            <a:avLst/>
+          </a:prstGeom>
+        </p:spPr>
+        <p:txBody>
+          <a:bodyPr vert="horz" lIns="91440" tIns="45720" rIns="91440" bIns="45720" rtlCol="0" anchor="ctr">
+            <a:normAutofit/>
+          </a:bodyPr>
+          <a:lstStyle>
+            <a:lvl1pPr algn="l" defTabSz="914400" rtl="0" eaLnBrk="1" latinLnBrk="0" hangingPunct="1">
+              <a:lnSpc>
+                <a:spcPct val="90000"/>
+              </a:lnSpc>
+              <a:spcBef>
+                <a:spcPct val="0"/>
+              </a:spcBef>
+              <a:buNone/>
+              <a:defRPr sz="5400" kern="1200">
+                <a:solidFill>
+                  <a:schemeClr val="tx2"/>
+                </a:solidFill>
+                <a:latin typeface="+mj-lt"/>
+                <a:ea typeface="+mj-ea"/>
+                <a:cs typeface="+mj-cs"/>
+              </a:defRPr>
+            </a:lvl1pPr>
+          </a:lstStyle>
+          <a:p>
+            <a:r>
+              <a:rPr lang="en-US" sz="1800" b="1" dirty="0"/>
+              <a:t>Best Parameter</a:t>
+            </a:r>
+          </a:p>
+          <a:p>
+            <a:pPr marL="0" marR="0" lvl="0" indent="0" algn="l" defTabSz="914400" rtl="0" eaLnBrk="0" fontAlgn="base" latinLnBrk="0" hangingPunct="0">
+              <a:lnSpc>
+                <a:spcPct val="100000"/>
+              </a:lnSpc>
+              <a:spcBef>
+                <a:spcPct val="0"/>
+              </a:spcBef>
+              <a:spcAft>
+                <a:spcPct val="0"/>
+              </a:spcAft>
+              <a:buClrTx/>
+              <a:buSzTx/>
+              <a:buFontTx/>
+              <a:buNone/>
+              <a:tabLst/>
+            </a:pPr>
+            <a:r>
+              <a:rPr kumimoji="0" lang="en-US" altLang="en-US" sz="1600" i="0" u="none" strike="noStrike" cap="none" normalizeH="0" baseline="0" dirty="0">
+                <a:ln>
+                  <a:noFill/>
+                </a:ln>
+                <a:solidFill>
+                  <a:srgbClr val="000000"/>
+                </a:solidFill>
+                <a:effectLst/>
+                <a:latin typeface="Gill Sans Nova (Headings)"/>
+              </a:rPr>
+              <a:t>criterion': '</a:t>
+            </a:r>
+            <a:r>
+              <a:rPr kumimoji="0" lang="en-US" altLang="en-US" sz="1600" i="0" u="none" strike="noStrike" cap="none" normalizeH="0" baseline="0" dirty="0" err="1">
+                <a:ln>
+                  <a:noFill/>
+                </a:ln>
+                <a:solidFill>
+                  <a:srgbClr val="000000"/>
+                </a:solidFill>
+                <a:effectLst/>
+                <a:latin typeface="Gill Sans Nova (Headings)"/>
+              </a:rPr>
+              <a:t>gini</a:t>
+            </a:r>
+            <a:r>
+              <a:rPr kumimoji="0" lang="en-US" altLang="en-US" sz="1600" i="0" u="none" strike="noStrike" cap="none" normalizeH="0" baseline="0" dirty="0">
+                <a:ln>
+                  <a:noFill/>
+                </a:ln>
+                <a:solidFill>
+                  <a:srgbClr val="000000"/>
+                </a:solidFill>
+                <a:effectLst/>
+                <a:latin typeface="Gill Sans Nova (Headings)"/>
+              </a:rPr>
+              <a:t>', '</a:t>
+            </a:r>
+            <a:r>
+              <a:rPr kumimoji="0" lang="en-US" altLang="en-US" sz="1600" i="0" u="none" strike="noStrike" cap="none" normalizeH="0" baseline="0" dirty="0" err="1">
+                <a:ln>
+                  <a:noFill/>
+                </a:ln>
+                <a:solidFill>
+                  <a:srgbClr val="000000"/>
+                </a:solidFill>
+                <a:effectLst/>
+                <a:latin typeface="Gill Sans Nova (Headings)"/>
+              </a:rPr>
+              <a:t>max_depth</a:t>
+            </a:r>
+            <a:r>
+              <a:rPr kumimoji="0" lang="en-US" altLang="en-US" sz="1600" i="0" u="none" strike="noStrike" cap="none" normalizeH="0" baseline="0" dirty="0">
+                <a:ln>
+                  <a:noFill/>
+                </a:ln>
+                <a:solidFill>
+                  <a:srgbClr val="000000"/>
+                </a:solidFill>
+                <a:effectLst/>
+                <a:latin typeface="Gill Sans Nova (Headings)"/>
+              </a:rPr>
+              <a:t>': 10, '</a:t>
+            </a:r>
+            <a:r>
+              <a:rPr kumimoji="0" lang="en-US" altLang="en-US" sz="1600" i="0" u="none" strike="noStrike" cap="none" normalizeH="0" baseline="0" dirty="0" err="1">
+                <a:ln>
+                  <a:noFill/>
+                </a:ln>
+                <a:solidFill>
+                  <a:srgbClr val="000000"/>
+                </a:solidFill>
+                <a:effectLst/>
+                <a:latin typeface="Gill Sans Nova (Headings)"/>
+              </a:rPr>
+              <a:t>max_features</a:t>
+            </a:r>
+            <a:r>
+              <a:rPr kumimoji="0" lang="en-US" altLang="en-US" sz="1600" i="0" u="none" strike="noStrike" cap="none" normalizeH="0" baseline="0" dirty="0">
+                <a:ln>
+                  <a:noFill/>
+                </a:ln>
+                <a:solidFill>
+                  <a:srgbClr val="000000"/>
+                </a:solidFill>
+                <a:effectLst/>
+                <a:latin typeface="Gill Sans Nova (Headings)"/>
+              </a:rPr>
+              <a:t>': 'sqrt', '</a:t>
+            </a:r>
+            <a:r>
+              <a:rPr kumimoji="0" lang="en-US" altLang="en-US" sz="1600" i="0" u="none" strike="noStrike" cap="none" normalizeH="0" baseline="0" dirty="0" err="1">
+                <a:ln>
+                  <a:noFill/>
+                </a:ln>
+                <a:solidFill>
+                  <a:srgbClr val="000000"/>
+                </a:solidFill>
+                <a:effectLst/>
+                <a:latin typeface="Gill Sans Nova (Headings)"/>
+              </a:rPr>
+              <a:t>min_samples_leaf</a:t>
+            </a:r>
+            <a:r>
+              <a:rPr kumimoji="0" lang="en-US" altLang="en-US" sz="1600" i="0" u="none" strike="noStrike" cap="none" normalizeH="0" baseline="0" dirty="0">
+                <a:ln>
+                  <a:noFill/>
+                </a:ln>
+                <a:solidFill>
+                  <a:srgbClr val="000000"/>
+                </a:solidFill>
+                <a:effectLst/>
+                <a:latin typeface="Gill Sans Nova (Headings)"/>
+              </a:rPr>
+              <a:t>': 1, '</a:t>
+            </a:r>
+            <a:r>
+              <a:rPr kumimoji="0" lang="en-US" altLang="en-US" sz="1600" i="0" u="none" strike="noStrike" cap="none" normalizeH="0" baseline="0" dirty="0" err="1">
+                <a:ln>
+                  <a:noFill/>
+                </a:ln>
+                <a:solidFill>
+                  <a:srgbClr val="000000"/>
+                </a:solidFill>
+                <a:effectLst/>
+                <a:latin typeface="Gill Sans Nova (Headings)"/>
+              </a:rPr>
+              <a:t>min_samples_split</a:t>
+            </a:r>
+            <a:r>
+              <a:rPr kumimoji="0" lang="en-US" altLang="en-US" sz="1600" i="0" u="none" strike="noStrike" cap="none" normalizeH="0" baseline="0" dirty="0">
+                <a:ln>
+                  <a:noFill/>
+                </a:ln>
+                <a:solidFill>
+                  <a:srgbClr val="000000"/>
+                </a:solidFill>
+                <a:effectLst/>
+                <a:latin typeface="Gill Sans Nova (Headings)"/>
+              </a:rPr>
+              <a:t>': 10</a:t>
+            </a:r>
+            <a:r>
+              <a:rPr kumimoji="0" lang="en-US" altLang="en-US" sz="1200" i="0" u="none" strike="noStrike" cap="none" normalizeH="0" baseline="0" dirty="0">
+                <a:ln>
+                  <a:noFill/>
+                </a:ln>
+                <a:solidFill>
+                  <a:schemeClr val="tx1"/>
+                </a:solidFill>
+                <a:effectLst/>
+                <a:latin typeface="Gill Sans Nova (Headings)"/>
+              </a:rPr>
+              <a:t> </a:t>
+            </a:r>
+            <a:endParaRPr kumimoji="0" lang="en-US" altLang="en-US" sz="3600" i="0" u="none" strike="noStrike" cap="none" normalizeH="0" baseline="0" dirty="0">
+              <a:ln>
+                <a:noFill/>
+              </a:ln>
+              <a:solidFill>
+                <a:schemeClr val="tx1"/>
+              </a:solidFill>
+              <a:effectLst/>
+              <a:latin typeface="Gill Sans Nova (Headings)"/>
+            </a:endParaRPr>
+          </a:p>
+        </p:txBody>
+      </p:sp>
+      <p:sp>
+        <p:nvSpPr>
+          <p:cNvPr id="18" name="TextBox 17">
+            <a:extLst>
+              <a:ext uri="{FF2B5EF4-FFF2-40B4-BE49-F238E27FC236}">
+                <a16:creationId xmlns:a16="http://schemas.microsoft.com/office/drawing/2014/main" id="{12CF0176-3BC6-C57F-A4FB-34293F28AF74}"/>
+              </a:ext>
+            </a:extLst>
+          </p:cNvPr>
+          <p:cNvSpPr txBox="1"/>
+          <p:nvPr/>
+        </p:nvSpPr>
+        <p:spPr>
+          <a:xfrm>
+            <a:off x="4468441" y="2109332"/>
+            <a:ext cx="3548400" cy="1323439"/>
+          </a:xfrm>
+          <a:prstGeom prst="rect">
+            <a:avLst/>
+          </a:prstGeom>
+          <a:noFill/>
+        </p:spPr>
+        <p:txBody>
+          <a:bodyPr wrap="square">
+            <a:spAutoFit/>
+          </a:bodyPr>
+          <a:lstStyle/>
+          <a:p>
+            <a:r>
+              <a:rPr lang="en-US" sz="1600" b="1" dirty="0"/>
+              <a:t>Parameter Default</a:t>
+            </a:r>
+          </a:p>
+          <a:p>
+            <a:r>
+              <a:rPr kumimoji="0" lang="en-US" altLang="en-US" sz="1600" b="0" i="0" u="none" strike="noStrike" cap="none" normalizeH="0" baseline="0" dirty="0">
+                <a:ln>
+                  <a:noFill/>
+                </a:ln>
+                <a:solidFill>
+                  <a:srgbClr val="000000"/>
+                </a:solidFill>
+                <a:effectLst/>
+                <a:latin typeface="Gill Sans Nova (Headings)"/>
+              </a:rPr>
+              <a:t>{'algorithm': 'auto', '</a:t>
+            </a:r>
+            <a:r>
+              <a:rPr kumimoji="0" lang="en-US" altLang="en-US" sz="1600" b="0" i="0" u="none" strike="noStrike" cap="none" normalizeH="0" baseline="0" dirty="0" err="1">
+                <a:ln>
+                  <a:noFill/>
+                </a:ln>
+                <a:solidFill>
+                  <a:srgbClr val="000000"/>
+                </a:solidFill>
+                <a:effectLst/>
+                <a:latin typeface="Gill Sans Nova (Headings)"/>
+              </a:rPr>
+              <a:t>leaf_size</a:t>
+            </a:r>
+            <a:r>
+              <a:rPr kumimoji="0" lang="en-US" altLang="en-US" sz="1600" b="0" i="0" u="none" strike="noStrike" cap="none" normalizeH="0" baseline="0" dirty="0">
+                <a:ln>
+                  <a:noFill/>
+                </a:ln>
+                <a:solidFill>
+                  <a:srgbClr val="000000"/>
+                </a:solidFill>
+                <a:effectLst/>
+                <a:latin typeface="Gill Sans Nova (Headings)"/>
+              </a:rPr>
+              <a:t>': 30, 'metric': '</a:t>
+            </a:r>
+            <a:r>
+              <a:rPr kumimoji="0" lang="en-US" altLang="en-US" sz="1600" b="0" i="0" u="none" strike="noStrike" cap="none" normalizeH="0" baseline="0" dirty="0" err="1">
+                <a:ln>
+                  <a:noFill/>
+                </a:ln>
+                <a:solidFill>
+                  <a:srgbClr val="000000"/>
+                </a:solidFill>
+                <a:effectLst/>
+                <a:latin typeface="Gill Sans Nova (Headings)"/>
+              </a:rPr>
+              <a:t>minkowski</a:t>
+            </a:r>
+            <a:r>
+              <a:rPr kumimoji="0" lang="en-US" altLang="en-US" sz="1600" b="0" i="0" u="none" strike="noStrike" cap="none" normalizeH="0" baseline="0" dirty="0">
+                <a:ln>
+                  <a:noFill/>
+                </a:ln>
+                <a:solidFill>
+                  <a:srgbClr val="000000"/>
+                </a:solidFill>
+                <a:effectLst/>
+                <a:latin typeface="Gill Sans Nova (Headings)"/>
+              </a:rPr>
+              <a:t>', '</a:t>
+            </a:r>
+            <a:r>
+              <a:rPr kumimoji="0" lang="en-US" altLang="en-US" sz="1600" b="0" i="0" u="none" strike="noStrike" cap="none" normalizeH="0" baseline="0" dirty="0" err="1">
+                <a:ln>
+                  <a:noFill/>
+                </a:ln>
+                <a:solidFill>
+                  <a:srgbClr val="000000"/>
+                </a:solidFill>
+                <a:effectLst/>
+                <a:latin typeface="Gill Sans Nova (Headings)"/>
+              </a:rPr>
+              <a:t>metric_params</a:t>
+            </a:r>
+            <a:r>
+              <a:rPr kumimoji="0" lang="en-US" altLang="en-US" sz="1600" b="0" i="0" u="none" strike="noStrike" cap="none" normalizeH="0" baseline="0" dirty="0">
+                <a:ln>
+                  <a:noFill/>
+                </a:ln>
+                <a:solidFill>
+                  <a:srgbClr val="000000"/>
+                </a:solidFill>
+                <a:effectLst/>
+                <a:latin typeface="Gill Sans Nova (Headings)"/>
+              </a:rPr>
+              <a:t>': None, '</a:t>
+            </a:r>
+            <a:r>
+              <a:rPr kumimoji="0" lang="en-US" altLang="en-US" sz="1600" b="0" i="0" u="none" strike="noStrike" cap="none" normalizeH="0" baseline="0" dirty="0" err="1">
+                <a:ln>
+                  <a:noFill/>
+                </a:ln>
+                <a:solidFill>
+                  <a:srgbClr val="000000"/>
+                </a:solidFill>
+                <a:effectLst/>
+                <a:latin typeface="Gill Sans Nova (Headings)"/>
+              </a:rPr>
+              <a:t>n_jobs</a:t>
+            </a:r>
+            <a:r>
+              <a:rPr kumimoji="0" lang="en-US" altLang="en-US" sz="1600" b="0" i="0" u="none" strike="noStrike" cap="none" normalizeH="0" baseline="0" dirty="0">
+                <a:ln>
+                  <a:noFill/>
+                </a:ln>
+                <a:solidFill>
+                  <a:srgbClr val="000000"/>
+                </a:solidFill>
+                <a:effectLst/>
+                <a:latin typeface="Gill Sans Nova (Headings)"/>
+              </a:rPr>
+              <a:t>': None, '</a:t>
+            </a:r>
+            <a:r>
+              <a:rPr kumimoji="0" lang="en-US" altLang="en-US" sz="1600" b="0" i="0" u="none" strike="noStrike" cap="none" normalizeH="0" baseline="0" dirty="0" err="1">
+                <a:ln>
+                  <a:noFill/>
+                </a:ln>
+                <a:solidFill>
+                  <a:srgbClr val="000000"/>
+                </a:solidFill>
+                <a:effectLst/>
+                <a:latin typeface="Gill Sans Nova (Headings)"/>
+              </a:rPr>
+              <a:t>n_neighbors</a:t>
+            </a:r>
+            <a:r>
+              <a:rPr kumimoji="0" lang="en-US" altLang="en-US" sz="1600" b="0" i="0" u="none" strike="noStrike" cap="none" normalizeH="0" baseline="0" dirty="0">
+                <a:ln>
+                  <a:noFill/>
+                </a:ln>
+                <a:solidFill>
+                  <a:srgbClr val="000000"/>
+                </a:solidFill>
+                <a:effectLst/>
+                <a:latin typeface="Gill Sans Nova (Headings)"/>
+              </a:rPr>
+              <a:t>': 5, 'p': 2, 'weights': 'uniform'}</a:t>
+            </a:r>
+            <a:r>
+              <a:rPr kumimoji="0" lang="en-US" altLang="en-US" sz="1600" b="0" i="0" u="none" strike="noStrike" cap="none" normalizeH="0" baseline="0" dirty="0">
+                <a:ln>
+                  <a:noFill/>
+                </a:ln>
+                <a:solidFill>
+                  <a:schemeClr val="tx1"/>
+                </a:solidFill>
+                <a:effectLst/>
+                <a:latin typeface="Gill Sans Nova (Headings)"/>
+              </a:rPr>
+              <a:t> </a:t>
+            </a:r>
+          </a:p>
+        </p:txBody>
+      </p:sp>
+      <p:sp>
+        <p:nvSpPr>
+          <p:cNvPr id="19" name="Title 1">
+            <a:extLst>
+              <a:ext uri="{FF2B5EF4-FFF2-40B4-BE49-F238E27FC236}">
+                <a16:creationId xmlns:a16="http://schemas.microsoft.com/office/drawing/2014/main" id="{6115762D-FAD6-058E-4115-4354AA582B78}"/>
+              </a:ext>
+            </a:extLst>
+          </p:cNvPr>
+          <p:cNvSpPr txBox="1">
+            <a:spLocks/>
+          </p:cNvSpPr>
+          <p:nvPr/>
+        </p:nvSpPr>
+        <p:spPr>
+          <a:xfrm>
+            <a:off x="8248230" y="2131816"/>
+            <a:ext cx="3712742" cy="574462"/>
+          </a:xfrm>
+          <a:prstGeom prst="rect">
+            <a:avLst/>
+          </a:prstGeom>
+        </p:spPr>
+        <p:txBody>
+          <a:bodyPr vert="horz" lIns="91440" tIns="45720" rIns="91440" bIns="45720" rtlCol="0" anchor="ctr">
+            <a:normAutofit fontScale="85000" lnSpcReduction="20000"/>
+          </a:bodyPr>
+          <a:lstStyle>
+            <a:lvl1pPr algn="l" defTabSz="914400" rtl="0" eaLnBrk="1" latinLnBrk="0" hangingPunct="1">
+              <a:lnSpc>
+                <a:spcPct val="90000"/>
+              </a:lnSpc>
+              <a:spcBef>
+                <a:spcPct val="0"/>
+              </a:spcBef>
+              <a:buNone/>
+              <a:defRPr sz="5400" kern="1200">
+                <a:solidFill>
+                  <a:schemeClr val="tx2"/>
+                </a:solidFill>
+                <a:latin typeface="+mj-lt"/>
+                <a:ea typeface="+mj-ea"/>
+                <a:cs typeface="+mj-cs"/>
+              </a:defRPr>
+            </a:lvl1pPr>
+          </a:lstStyle>
+          <a:p>
+            <a:r>
+              <a:rPr lang="en-US" sz="1800" b="1" dirty="0"/>
+              <a:t>Parameter</a:t>
+            </a:r>
+            <a:endParaRPr lang="en-US" sz="1600" b="1" dirty="0"/>
+          </a:p>
+          <a:p>
+            <a:r>
+              <a:rPr kumimoji="0" lang="en-US" altLang="en-US" sz="1600" b="0" i="0" u="none" strike="noStrike" cap="none" normalizeH="0" baseline="0" dirty="0" err="1">
+                <a:ln>
+                  <a:noFill/>
+                </a:ln>
+                <a:solidFill>
+                  <a:srgbClr val="000000"/>
+                </a:solidFill>
+                <a:effectLst/>
+                <a:latin typeface="Gill Sans Nova (Headings)"/>
+              </a:rPr>
+              <a:t>hidden_layer_sizes</a:t>
+            </a:r>
+            <a:r>
+              <a:rPr kumimoji="0" lang="en-US" altLang="en-US" sz="1600" b="0" i="0" u="none" strike="noStrike" cap="none" normalizeH="0" baseline="0" dirty="0">
+                <a:ln>
+                  <a:noFill/>
+                </a:ln>
+                <a:solidFill>
+                  <a:srgbClr val="000000"/>
+                </a:solidFill>
+                <a:effectLst/>
+                <a:latin typeface="Gill Sans Nova (Headings)"/>
+              </a:rPr>
+              <a:t>=(10, 5), </a:t>
+            </a:r>
+            <a:r>
+              <a:rPr kumimoji="0" lang="en-US" altLang="en-US" sz="1600" b="0" i="0" u="none" strike="noStrike" cap="none" normalizeH="0" baseline="0" dirty="0" err="1">
+                <a:ln>
+                  <a:noFill/>
+                </a:ln>
+                <a:solidFill>
+                  <a:srgbClr val="000000"/>
+                </a:solidFill>
+                <a:effectLst/>
+                <a:latin typeface="Gill Sans Nova (Headings)"/>
+              </a:rPr>
+              <a:t>max_iter</a:t>
+            </a:r>
+            <a:r>
+              <a:rPr kumimoji="0" lang="en-US" altLang="en-US" sz="1600" b="0" i="0" u="none" strike="noStrike" cap="none" normalizeH="0" baseline="0" dirty="0">
+                <a:ln>
+                  <a:noFill/>
+                </a:ln>
+                <a:solidFill>
+                  <a:srgbClr val="000000"/>
+                </a:solidFill>
+                <a:effectLst/>
+                <a:latin typeface="Gill Sans Nova (Headings)"/>
+              </a:rPr>
+              <a:t>=1000, </a:t>
+            </a:r>
+            <a:r>
+              <a:rPr kumimoji="0" lang="en-US" altLang="en-US" sz="1600" b="0" i="0" u="none" strike="noStrike" cap="none" normalizeH="0" baseline="0" dirty="0" err="1">
+                <a:ln>
+                  <a:noFill/>
+                </a:ln>
+                <a:solidFill>
+                  <a:srgbClr val="000000"/>
+                </a:solidFill>
+                <a:effectLst/>
+                <a:latin typeface="Gill Sans Nova (Headings)"/>
+              </a:rPr>
+              <a:t>random_state</a:t>
+            </a:r>
+            <a:r>
+              <a:rPr kumimoji="0" lang="en-US" altLang="en-US" sz="1600" b="0" i="0" u="none" strike="noStrike" cap="none" normalizeH="0" baseline="0" dirty="0">
+                <a:ln>
+                  <a:noFill/>
+                </a:ln>
+                <a:solidFill>
+                  <a:srgbClr val="000000"/>
+                </a:solidFill>
+                <a:effectLst/>
+                <a:latin typeface="Gill Sans Nova (Headings)"/>
+              </a:rPr>
+              <a:t>=42</a:t>
+            </a:r>
+            <a:endParaRPr lang="en-US" sz="1600" dirty="0"/>
           </a:p>
         </p:txBody>
       </p:sp>
